--- a/ppt/2022-10 meeting.pptx
+++ b/ppt/2022-10 meeting.pptx
@@ -5,7 +5,7 @@
     <p:sldMasterId id="2147483648" r:id="rId1"/>
   </p:sldMasterIdLst>
   <p:notesMasterIdLst>
-    <p:notesMasterId r:id="rId8"/>
+    <p:notesMasterId r:id="rId11"/>
   </p:notesMasterIdLst>
   <p:sldIdLst>
     <p:sldId id="410" r:id="rId2"/>
@@ -14,6 +14,9 @@
     <p:sldId id="413" r:id="rId5"/>
     <p:sldId id="414" r:id="rId6"/>
     <p:sldId id="415" r:id="rId7"/>
+    <p:sldId id="416" r:id="rId8"/>
+    <p:sldId id="418" r:id="rId9"/>
+    <p:sldId id="420" r:id="rId10"/>
   </p:sldIdLst>
   <p:sldSz cx="12192000" cy="6858000"/>
   <p:notesSz cx="6858000" cy="9144000"/>
@@ -123,6 +126,13 @@
             <p14:sldId id="413"/>
             <p14:sldId id="414"/>
             <p14:sldId id="415"/>
+          </p14:sldIdLst>
+        </p14:section>
+        <p14:section name="10/11" id="{E40FADC8-92CD-44B0-96C7-C0657FC8932A}">
+          <p14:sldIdLst>
+            <p14:sldId id="416"/>
+            <p14:sldId id="418"/>
+            <p14:sldId id="420"/>
           </p14:sldIdLst>
         </p14:section>
       </p14:sectionLst>
@@ -667,6 +677,90 @@
     <p:extLst>
       <p:ext uri="{BB962C8B-B14F-4D97-AF65-F5344CB8AC3E}">
         <p14:creationId xmlns:p14="http://schemas.microsoft.com/office/powerpoint/2010/main" val="473017588"/>
+      </p:ext>
+    </p:extLst>
+  </p:cSld>
+  <p:clrMapOvr>
+    <a:masterClrMapping/>
+  </p:clrMapOvr>
+</p:notes>
+</file>
+
+<file path=ppt/notesSlides/notesSlide3.xml><?xml version="1.0" encoding="utf-8"?>
+<p:notes xmlns:a="http://schemas.openxmlformats.org/drawingml/2006/main" xmlns:r="http://schemas.openxmlformats.org/officeDocument/2006/relationships" xmlns:p="http://schemas.openxmlformats.org/presentationml/2006/main">
+  <p:cSld>
+    <p:spTree>
+      <p:nvGrpSpPr>
+        <p:cNvPr id="1" name=""/>
+        <p:cNvGrpSpPr/>
+        <p:nvPr/>
+      </p:nvGrpSpPr>
+      <p:grpSpPr>
+        <a:xfrm>
+          <a:off x="0" y="0"/>
+          <a:ext cx="0" cy="0"/>
+          <a:chOff x="0" y="0"/>
+          <a:chExt cx="0" cy="0"/>
+        </a:xfrm>
+      </p:grpSpPr>
+      <p:sp>
+        <p:nvSpPr>
+          <p:cNvPr id="2" name="投影片影像版面配置區 1"/>
+          <p:cNvSpPr>
+            <a:spLocks noGrp="1" noRot="1" noChangeAspect="1"/>
+          </p:cNvSpPr>
+          <p:nvPr>
+            <p:ph type="sldImg"/>
+          </p:nvPr>
+        </p:nvSpPr>
+        <p:spPr/>
+      </p:sp>
+      <p:sp>
+        <p:nvSpPr>
+          <p:cNvPr id="3" name="備忘稿版面配置區 2"/>
+          <p:cNvSpPr>
+            <a:spLocks noGrp="1"/>
+          </p:cNvSpPr>
+          <p:nvPr>
+            <p:ph type="body" idx="1"/>
+          </p:nvPr>
+        </p:nvSpPr>
+        <p:spPr/>
+        <p:txBody>
+          <a:bodyPr/>
+          <a:lstStyle/>
+          <a:p>
+            <a:endParaRPr lang="zh-TW" altLang="en-US" dirty="0"/>
+          </a:p>
+        </p:txBody>
+      </p:sp>
+      <p:sp>
+        <p:nvSpPr>
+          <p:cNvPr id="4" name="投影片編號版面配置區 3"/>
+          <p:cNvSpPr>
+            <a:spLocks noGrp="1"/>
+          </p:cNvSpPr>
+          <p:nvPr>
+            <p:ph type="sldNum" sz="quarter" idx="5"/>
+          </p:nvPr>
+        </p:nvSpPr>
+        <p:spPr/>
+        <p:txBody>
+          <a:bodyPr/>
+          <a:lstStyle/>
+          <a:p>
+            <a:fld id="{6872B3E9-0D97-4CE8-B0DF-442F44951F64}" type="slidenum">
+              <a:rPr lang="zh-TW" altLang="en-US" smtClean="0"/>
+              <a:t>7</a:t>
+            </a:fld>
+            <a:endParaRPr lang="zh-TW" altLang="en-US"/>
+          </a:p>
+        </p:txBody>
+      </p:sp>
+    </p:spTree>
+    <p:extLst>
+      <p:ext uri="{BB962C8B-B14F-4D97-AF65-F5344CB8AC3E}">
+        <p14:creationId xmlns:p14="http://schemas.microsoft.com/office/powerpoint/2010/main" val="951769543"/>
       </p:ext>
     </p:extLst>
   </p:cSld>
@@ -6363,6 +6457,515 @@
     <p:extLst>
       <p:ext uri="{BB962C8B-B14F-4D97-AF65-F5344CB8AC3E}">
         <p14:creationId xmlns:p14="http://schemas.microsoft.com/office/powerpoint/2010/main" val="1216626118"/>
+      </p:ext>
+    </p:extLst>
+  </p:cSld>
+  <p:clrMapOvr>
+    <a:masterClrMapping/>
+  </p:clrMapOvr>
+</p:sld>
+</file>
+
+<file path=ppt/slides/slide7.xml><?xml version="1.0" encoding="utf-8"?>
+<p:sld xmlns:a="http://schemas.openxmlformats.org/drawingml/2006/main" xmlns:r="http://schemas.openxmlformats.org/officeDocument/2006/relationships" xmlns:p="http://schemas.openxmlformats.org/presentationml/2006/main">
+  <p:cSld>
+    <p:spTree>
+      <p:nvGrpSpPr>
+        <p:cNvPr id="1" name=""/>
+        <p:cNvGrpSpPr/>
+        <p:nvPr/>
+      </p:nvGrpSpPr>
+      <p:grpSpPr>
+        <a:xfrm>
+          <a:off x="0" y="0"/>
+          <a:ext cx="0" cy="0"/>
+          <a:chOff x="0" y="0"/>
+          <a:chExt cx="0" cy="0"/>
+        </a:xfrm>
+      </p:grpSpPr>
+      <p:sp>
+        <p:nvSpPr>
+          <p:cNvPr id="3" name="內容版面配置區 2">
+            <a:extLst>
+              <a:ext uri="{FF2B5EF4-FFF2-40B4-BE49-F238E27FC236}">
+                <a16:creationId xmlns:a16="http://schemas.microsoft.com/office/drawing/2014/main" id="{EEFE1560-1652-41C1-90ED-5AD7B820A971}"/>
+              </a:ext>
+            </a:extLst>
+          </p:cNvPr>
+          <p:cNvSpPr>
+            <a:spLocks noGrp="1"/>
+          </p:cNvSpPr>
+          <p:nvPr>
+            <p:ph idx="1"/>
+          </p:nvPr>
+        </p:nvSpPr>
+        <p:spPr>
+          <a:xfrm>
+            <a:off x="384976" y="1817674"/>
+            <a:ext cx="11136464" cy="3773501"/>
+          </a:xfrm>
+        </p:spPr>
+        <p:txBody>
+          <a:bodyPr>
+            <a:normAutofit/>
+          </a:bodyPr>
+          <a:lstStyle/>
+          <a:p>
+            <a:pPr lvl="1">
+              <a:lnSpc>
+                <a:spcPct val="150000"/>
+              </a:lnSpc>
+            </a:pPr>
+            <a:r>
+              <a:rPr lang="en-US" altLang="zh-TW" dirty="0">
+                <a:sym typeface="Wingdings" panose="05000000000000000000" pitchFamily="2" charset="2"/>
+              </a:rPr>
+              <a:t>Classification</a:t>
+            </a:r>
+          </a:p>
+          <a:p>
+            <a:pPr lvl="2"/>
+            <a:r>
+              <a:rPr lang="en-US" altLang="zh-TW" dirty="0"/>
+              <a:t>Record K-fold deviation</a:t>
+            </a:r>
+          </a:p>
+          <a:p>
+            <a:pPr lvl="2"/>
+            <a:endParaRPr lang="en-US" altLang="zh-TW" dirty="0"/>
+          </a:p>
+          <a:p>
+            <a:pPr lvl="1">
+              <a:lnSpc>
+                <a:spcPct val="150000"/>
+              </a:lnSpc>
+            </a:pPr>
+            <a:r>
+              <a:rPr lang="en-US" altLang="zh-TW" dirty="0"/>
+              <a:t>Testing with UCI datasets on 4, and 10-folds</a:t>
+            </a:r>
+          </a:p>
+          <a:p>
+            <a:pPr lvl="2">
+              <a:lnSpc>
+                <a:spcPct val="150000"/>
+              </a:lnSpc>
+            </a:pPr>
+            <a:r>
+              <a:rPr lang="en-US" altLang="zh-TW" dirty="0"/>
+              <a:t>Car Evaluation Data Set</a:t>
+            </a:r>
+          </a:p>
+          <a:p>
+            <a:pPr lvl="2">
+              <a:lnSpc>
+                <a:spcPct val="150000"/>
+              </a:lnSpc>
+            </a:pPr>
+            <a:r>
+              <a:rPr lang="en-US" altLang="zh-TW" dirty="0"/>
+              <a:t>Adult Data Set</a:t>
+            </a:r>
+          </a:p>
+          <a:p>
+            <a:pPr marL="457200" lvl="1" indent="0">
+              <a:lnSpc>
+                <a:spcPct val="150000"/>
+              </a:lnSpc>
+              <a:buNone/>
+            </a:pPr>
+            <a:r>
+              <a:rPr lang="en-US" altLang="zh-TW" dirty="0">
+                <a:sym typeface="Wingdings" panose="05000000000000000000" pitchFamily="2" charset="2"/>
+              </a:rPr>
+              <a:t> </a:t>
+            </a:r>
+            <a:r>
+              <a:rPr lang="en-US" altLang="zh-TW" dirty="0"/>
+              <a:t>Grouping with columns sequence	</a:t>
+            </a:r>
+          </a:p>
+        </p:txBody>
+      </p:sp>
+      <p:sp>
+        <p:nvSpPr>
+          <p:cNvPr id="7" name="標題 1">
+            <a:extLst>
+              <a:ext uri="{FF2B5EF4-FFF2-40B4-BE49-F238E27FC236}">
+                <a16:creationId xmlns:a16="http://schemas.microsoft.com/office/drawing/2014/main" id="{D1556530-1D0B-44B2-9C1C-93664F38FDA7}"/>
+              </a:ext>
+            </a:extLst>
+          </p:cNvPr>
+          <p:cNvSpPr>
+            <a:spLocks noGrp="1"/>
+          </p:cNvSpPr>
+          <p:nvPr>
+            <p:ph type="title"/>
+          </p:nvPr>
+        </p:nvSpPr>
+        <p:spPr>
+          <a:xfrm>
+            <a:off x="838200" y="365125"/>
+            <a:ext cx="10515600" cy="1325563"/>
+          </a:xfrm>
+        </p:spPr>
+        <p:txBody>
+          <a:bodyPr/>
+          <a:lstStyle/>
+          <a:p>
+            <a:r>
+              <a:rPr lang="en-US" dirty="0"/>
+              <a:t>Weekly Progress</a:t>
+            </a:r>
+          </a:p>
+        </p:txBody>
+      </p:sp>
+    </p:spTree>
+    <p:extLst>
+      <p:ext uri="{BB962C8B-B14F-4D97-AF65-F5344CB8AC3E}">
+        <p14:creationId xmlns:p14="http://schemas.microsoft.com/office/powerpoint/2010/main" val="1051946472"/>
+      </p:ext>
+    </p:extLst>
+  </p:cSld>
+  <p:clrMapOvr>
+    <a:masterClrMapping/>
+  </p:clrMapOvr>
+</p:sld>
+</file>
+
+<file path=ppt/slides/slide8.xml><?xml version="1.0" encoding="utf-8"?>
+<p:sld xmlns:a="http://schemas.openxmlformats.org/drawingml/2006/main" xmlns:r="http://schemas.openxmlformats.org/officeDocument/2006/relationships" xmlns:p="http://schemas.openxmlformats.org/presentationml/2006/main">
+  <p:cSld>
+    <p:spTree>
+      <p:nvGrpSpPr>
+        <p:cNvPr id="1" name=""/>
+        <p:cNvGrpSpPr/>
+        <p:nvPr/>
+      </p:nvGrpSpPr>
+      <p:grpSpPr>
+        <a:xfrm>
+          <a:off x="0" y="0"/>
+          <a:ext cx="0" cy="0"/>
+          <a:chOff x="0" y="0"/>
+          <a:chExt cx="0" cy="0"/>
+        </a:xfrm>
+      </p:grpSpPr>
+      <p:pic>
+        <p:nvPicPr>
+          <p:cNvPr id="7" name="圖片 6">
+            <a:extLst>
+              <a:ext uri="{FF2B5EF4-FFF2-40B4-BE49-F238E27FC236}">
+                <a16:creationId xmlns:a16="http://schemas.microsoft.com/office/drawing/2014/main" id="{DFAE662C-1DC6-42F6-B986-D2B0180F67AB}"/>
+              </a:ext>
+            </a:extLst>
+          </p:cNvPr>
+          <p:cNvPicPr>
+            <a:picLocks noChangeAspect="1"/>
+          </p:cNvPicPr>
+          <p:nvPr/>
+        </p:nvPicPr>
+        <p:blipFill rotWithShape="1">
+          <a:blip r:embed="rId2"/>
+          <a:srcRect b="19106"/>
+          <a:stretch/>
+        </p:blipFill>
+        <p:spPr>
+          <a:xfrm>
+            <a:off x="928024" y="1316037"/>
+            <a:ext cx="10431291" cy="4799013"/>
+          </a:xfrm>
+          <a:prstGeom prst="rect">
+            <a:avLst/>
+          </a:prstGeom>
+        </p:spPr>
+      </p:pic>
+      <p:sp>
+        <p:nvSpPr>
+          <p:cNvPr id="2" name="標題 1">
+            <a:extLst>
+              <a:ext uri="{FF2B5EF4-FFF2-40B4-BE49-F238E27FC236}">
+                <a16:creationId xmlns:a16="http://schemas.microsoft.com/office/drawing/2014/main" id="{97087699-9A24-4A72-854F-BDE5FDFD2408}"/>
+              </a:ext>
+            </a:extLst>
+          </p:cNvPr>
+          <p:cNvSpPr>
+            <a:spLocks noGrp="1"/>
+          </p:cNvSpPr>
+          <p:nvPr>
+            <p:ph type="title"/>
+          </p:nvPr>
+        </p:nvSpPr>
+        <p:spPr/>
+        <p:txBody>
+          <a:bodyPr/>
+          <a:lstStyle/>
+          <a:p>
+            <a:r>
+              <a:rPr lang="en-US" altLang="zh-TW" dirty="0"/>
+              <a:t>Car Evaluation Data Set</a:t>
+            </a:r>
+            <a:endParaRPr lang="zh-TW" altLang="en-US" dirty="0"/>
+          </a:p>
+        </p:txBody>
+      </p:sp>
+      <p:sp>
+        <p:nvSpPr>
+          <p:cNvPr id="6" name="矩形 5">
+            <a:extLst>
+              <a:ext uri="{FF2B5EF4-FFF2-40B4-BE49-F238E27FC236}">
+                <a16:creationId xmlns:a16="http://schemas.microsoft.com/office/drawing/2014/main" id="{6AE12573-9E70-4307-8D6E-2ABD0C2BB6D0}"/>
+              </a:ext>
+            </a:extLst>
+          </p:cNvPr>
+          <p:cNvSpPr/>
+          <p:nvPr/>
+        </p:nvSpPr>
+        <p:spPr>
+          <a:xfrm>
+            <a:off x="1104900" y="2438401"/>
+            <a:ext cx="5356860" cy="563879"/>
+          </a:xfrm>
+          <a:prstGeom prst="rect">
+            <a:avLst/>
+          </a:prstGeom>
+          <a:noFill/>
+          <a:ln w="28575">
+            <a:solidFill>
+              <a:srgbClr val="FF0000"/>
+            </a:solidFill>
+            <a:prstDash val="dash"/>
+          </a:ln>
+        </p:spPr>
+        <p:style>
+          <a:lnRef idx="2">
+            <a:schemeClr val="accent1">
+              <a:shade val="50000"/>
+            </a:schemeClr>
+          </a:lnRef>
+          <a:fillRef idx="1">
+            <a:schemeClr val="accent1"/>
+          </a:fillRef>
+          <a:effectRef idx="0">
+            <a:schemeClr val="accent1"/>
+          </a:effectRef>
+          <a:fontRef idx="minor">
+            <a:schemeClr val="lt1"/>
+          </a:fontRef>
+        </p:style>
+        <p:txBody>
+          <a:bodyPr rtlCol="0" anchor="ctr"/>
+          <a:lstStyle/>
+          <a:p>
+            <a:pPr algn="ctr"/>
+            <a:endParaRPr lang="zh-TW" altLang="en-US"/>
+          </a:p>
+        </p:txBody>
+      </p:sp>
+      <p:pic>
+        <p:nvPicPr>
+          <p:cNvPr id="8" name="圖片 7">
+            <a:extLst>
+              <a:ext uri="{FF2B5EF4-FFF2-40B4-BE49-F238E27FC236}">
+                <a16:creationId xmlns:a16="http://schemas.microsoft.com/office/drawing/2014/main" id="{381E0555-C5A3-458A-B440-DC6B55590515}"/>
+              </a:ext>
+            </a:extLst>
+          </p:cNvPr>
+          <p:cNvPicPr>
+            <a:picLocks noChangeAspect="1"/>
+          </p:cNvPicPr>
+          <p:nvPr/>
+        </p:nvPicPr>
+        <p:blipFill>
+          <a:blip r:embed="rId3"/>
+          <a:stretch>
+            <a:fillRect/>
+          </a:stretch>
+        </p:blipFill>
+        <p:spPr>
+          <a:xfrm>
+            <a:off x="6612449" y="168329"/>
+            <a:ext cx="5579551" cy="1147708"/>
+          </a:xfrm>
+          <a:prstGeom prst="rect">
+            <a:avLst/>
+          </a:prstGeom>
+        </p:spPr>
+      </p:pic>
+    </p:spTree>
+    <p:extLst>
+      <p:ext uri="{BB962C8B-B14F-4D97-AF65-F5344CB8AC3E}">
+        <p14:creationId xmlns:p14="http://schemas.microsoft.com/office/powerpoint/2010/main" val="486836907"/>
+      </p:ext>
+    </p:extLst>
+  </p:cSld>
+  <p:clrMapOvr>
+    <a:masterClrMapping/>
+  </p:clrMapOvr>
+</p:sld>
+</file>
+
+<file path=ppt/slides/slide9.xml><?xml version="1.0" encoding="utf-8"?>
+<p:sld xmlns:a="http://schemas.openxmlformats.org/drawingml/2006/main" xmlns:r="http://schemas.openxmlformats.org/officeDocument/2006/relationships" xmlns:p="http://schemas.openxmlformats.org/presentationml/2006/main">
+  <p:cSld>
+    <p:spTree>
+      <p:nvGrpSpPr>
+        <p:cNvPr id="1" name=""/>
+        <p:cNvGrpSpPr/>
+        <p:nvPr/>
+      </p:nvGrpSpPr>
+      <p:grpSpPr>
+        <a:xfrm>
+          <a:off x="0" y="0"/>
+          <a:ext cx="0" cy="0"/>
+          <a:chOff x="0" y="0"/>
+          <a:chExt cx="0" cy="0"/>
+        </a:xfrm>
+      </p:grpSpPr>
+      <p:pic>
+        <p:nvPicPr>
+          <p:cNvPr id="7" name="圖片 6">
+            <a:extLst>
+              <a:ext uri="{FF2B5EF4-FFF2-40B4-BE49-F238E27FC236}">
+                <a16:creationId xmlns:a16="http://schemas.microsoft.com/office/drawing/2014/main" id="{22839421-B432-455D-B4E8-927DC71EC754}"/>
+              </a:ext>
+            </a:extLst>
+          </p:cNvPr>
+          <p:cNvPicPr>
+            <a:picLocks noChangeAspect="1"/>
+          </p:cNvPicPr>
+          <p:nvPr/>
+        </p:nvPicPr>
+        <p:blipFill>
+          <a:blip r:embed="rId2"/>
+          <a:stretch>
+            <a:fillRect/>
+          </a:stretch>
+        </p:blipFill>
+        <p:spPr>
+          <a:xfrm>
+            <a:off x="838200" y="1316040"/>
+            <a:ext cx="10327436" cy="5303838"/>
+          </a:xfrm>
+          <a:prstGeom prst="rect">
+            <a:avLst/>
+          </a:prstGeom>
+        </p:spPr>
+      </p:pic>
+      <p:sp>
+        <p:nvSpPr>
+          <p:cNvPr id="2" name="標題 1">
+            <a:extLst>
+              <a:ext uri="{FF2B5EF4-FFF2-40B4-BE49-F238E27FC236}">
+                <a16:creationId xmlns:a16="http://schemas.microsoft.com/office/drawing/2014/main" id="{97087699-9A24-4A72-854F-BDE5FDFD2408}"/>
+              </a:ext>
+            </a:extLst>
+          </p:cNvPr>
+          <p:cNvSpPr>
+            <a:spLocks noGrp="1"/>
+          </p:cNvSpPr>
+          <p:nvPr>
+            <p:ph type="title"/>
+          </p:nvPr>
+        </p:nvSpPr>
+        <p:spPr/>
+        <p:txBody>
+          <a:bodyPr/>
+          <a:lstStyle/>
+          <a:p>
+            <a:r>
+              <a:rPr lang="en-US" altLang="zh-TW" dirty="0"/>
+              <a:t>Adult Data Set</a:t>
+            </a:r>
+          </a:p>
+        </p:txBody>
+      </p:sp>
+      <p:sp>
+        <p:nvSpPr>
+          <p:cNvPr id="6" name="矩形 5">
+            <a:extLst>
+              <a:ext uri="{FF2B5EF4-FFF2-40B4-BE49-F238E27FC236}">
+                <a16:creationId xmlns:a16="http://schemas.microsoft.com/office/drawing/2014/main" id="{FD24DFF3-7839-4C08-9763-2502D214E4BD}"/>
+              </a:ext>
+            </a:extLst>
+          </p:cNvPr>
+          <p:cNvSpPr/>
+          <p:nvPr/>
+        </p:nvSpPr>
+        <p:spPr>
+          <a:xfrm>
+            <a:off x="1021080" y="4831081"/>
+            <a:ext cx="5173980" cy="594360"/>
+          </a:xfrm>
+          <a:prstGeom prst="rect">
+            <a:avLst/>
+          </a:prstGeom>
+          <a:noFill/>
+          <a:ln w="28575">
+            <a:solidFill>
+              <a:srgbClr val="FF0000"/>
+            </a:solidFill>
+            <a:prstDash val="dash"/>
+          </a:ln>
+        </p:spPr>
+        <p:style>
+          <a:lnRef idx="2">
+            <a:schemeClr val="accent1">
+              <a:shade val="50000"/>
+            </a:schemeClr>
+          </a:lnRef>
+          <a:fillRef idx="1">
+            <a:schemeClr val="accent1"/>
+          </a:fillRef>
+          <a:effectRef idx="0">
+            <a:schemeClr val="accent1"/>
+          </a:effectRef>
+          <a:fontRef idx="minor">
+            <a:schemeClr val="lt1"/>
+          </a:fontRef>
+        </p:style>
+        <p:txBody>
+          <a:bodyPr rtlCol="0" anchor="ctr"/>
+          <a:lstStyle/>
+          <a:p>
+            <a:pPr algn="ctr"/>
+            <a:endParaRPr lang="zh-TW" altLang="en-US"/>
+          </a:p>
+        </p:txBody>
+      </p:sp>
+      <p:pic>
+        <p:nvPicPr>
+          <p:cNvPr id="8" name="圖片 7">
+            <a:extLst>
+              <a:ext uri="{FF2B5EF4-FFF2-40B4-BE49-F238E27FC236}">
+                <a16:creationId xmlns:a16="http://schemas.microsoft.com/office/drawing/2014/main" id="{8FED0681-47E2-4C52-ABD9-9BC204FA7D81}"/>
+              </a:ext>
+            </a:extLst>
+          </p:cNvPr>
+          <p:cNvPicPr>
+            <a:picLocks noChangeAspect="1"/>
+          </p:cNvPicPr>
+          <p:nvPr/>
+        </p:nvPicPr>
+        <p:blipFill>
+          <a:blip r:embed="rId3"/>
+          <a:stretch>
+            <a:fillRect/>
+          </a:stretch>
+        </p:blipFill>
+        <p:spPr>
+          <a:xfrm>
+            <a:off x="6572250" y="181421"/>
+            <a:ext cx="4895850" cy="1318324"/>
+          </a:xfrm>
+          <a:prstGeom prst="rect">
+            <a:avLst/>
+          </a:prstGeom>
+        </p:spPr>
+      </p:pic>
+    </p:spTree>
+    <p:extLst>
+      <p:ext uri="{BB962C8B-B14F-4D97-AF65-F5344CB8AC3E}">
+        <p14:creationId xmlns:p14="http://schemas.microsoft.com/office/powerpoint/2010/main" val="1579071893"/>
       </p:ext>
     </p:extLst>
   </p:cSld>

--- a/ppt/2022-10 meeting.pptx
+++ b/ppt/2022-10 meeting.pptx
@@ -5,7 +5,7 @@
     <p:sldMasterId id="2147483648" r:id="rId1"/>
   </p:sldMasterIdLst>
   <p:notesMasterIdLst>
-    <p:notesMasterId r:id="rId11"/>
+    <p:notesMasterId r:id="rId16"/>
   </p:notesMasterIdLst>
   <p:sldIdLst>
     <p:sldId id="410" r:id="rId2"/>
@@ -16,7 +16,12 @@
     <p:sldId id="415" r:id="rId7"/>
     <p:sldId id="416" r:id="rId8"/>
     <p:sldId id="418" r:id="rId9"/>
-    <p:sldId id="420" r:id="rId10"/>
+    <p:sldId id="421" r:id="rId10"/>
+    <p:sldId id="423" r:id="rId11"/>
+    <p:sldId id="420" r:id="rId12"/>
+    <p:sldId id="422" r:id="rId13"/>
+    <p:sldId id="424" r:id="rId14"/>
+    <p:sldId id="425" r:id="rId15"/>
   </p:sldIdLst>
   <p:sldSz cx="12192000" cy="6858000"/>
   <p:notesSz cx="6858000" cy="9144000"/>
@@ -132,7 +137,12 @@
           <p14:sldIdLst>
             <p14:sldId id="416"/>
             <p14:sldId id="418"/>
+            <p14:sldId id="421"/>
+            <p14:sldId id="423"/>
             <p14:sldId id="420"/>
+            <p14:sldId id="422"/>
+            <p14:sldId id="424"/>
+            <p14:sldId id="425"/>
           </p14:sldIdLst>
         </p14:section>
       </p14:sectionLst>
@@ -226,7 +236,7 @@
           <a:p>
             <a:fld id="{3F908B55-4B1A-4E0A-A383-4812071FEBF5}" type="datetimeFigureOut">
               <a:rPr lang="zh-TW" altLang="en-US" smtClean="0"/>
-              <a:t>2022/10/11</a:t>
+              <a:t>2022/10/12</a:t>
             </a:fld>
             <a:endParaRPr lang="zh-TW" altLang="en-US"/>
           </a:p>
@@ -770,6 +780,124 @@
 </p:notes>
 </file>
 
+<file path=ppt/notesSlides/notesSlide4.xml><?xml version="1.0" encoding="utf-8"?>
+<p:notes xmlns:a="http://schemas.openxmlformats.org/drawingml/2006/main" xmlns:r="http://schemas.openxmlformats.org/officeDocument/2006/relationships" xmlns:p="http://schemas.openxmlformats.org/presentationml/2006/main">
+  <p:cSld>
+    <p:spTree>
+      <p:nvGrpSpPr>
+        <p:cNvPr id="1" name=""/>
+        <p:cNvGrpSpPr/>
+        <p:nvPr/>
+      </p:nvGrpSpPr>
+      <p:grpSpPr>
+        <a:xfrm>
+          <a:off x="0" y="0"/>
+          <a:ext cx="0" cy="0"/>
+          <a:chOff x="0" y="0"/>
+          <a:chExt cx="0" cy="0"/>
+        </a:xfrm>
+      </p:grpSpPr>
+      <p:sp>
+        <p:nvSpPr>
+          <p:cNvPr id="2" name="投影片影像版面配置區 1"/>
+          <p:cNvSpPr>
+            <a:spLocks noGrp="1" noRot="1" noChangeAspect="1"/>
+          </p:cNvSpPr>
+          <p:nvPr>
+            <p:ph type="sldImg"/>
+          </p:nvPr>
+        </p:nvSpPr>
+        <p:spPr/>
+      </p:sp>
+      <p:sp>
+        <p:nvSpPr>
+          <p:cNvPr id="3" name="備忘稿版面配置區 2"/>
+          <p:cNvSpPr>
+            <a:spLocks noGrp="1"/>
+          </p:cNvSpPr>
+          <p:nvPr>
+            <p:ph type="body" idx="1"/>
+          </p:nvPr>
+        </p:nvSpPr>
+        <p:spPr/>
+        <p:txBody>
+          <a:bodyPr/>
+          <a:lstStyle/>
+          <a:p>
+            <a:r>
+              <a:rPr lang="en-US" altLang="zh-TW" dirty="0"/>
+              <a:t>Feature importance</a:t>
+            </a:r>
+          </a:p>
+          <a:p>
+            <a:r>
+              <a:rPr lang="en-US" altLang="zh-TW" dirty="0"/>
+              <a:t>AUO data</a:t>
+            </a:r>
+          </a:p>
+          <a:p>
+            <a:r>
+              <a:rPr lang="en-US" altLang="zh-TW" dirty="0"/>
+              <a:t>Imbalance</a:t>
+            </a:r>
+          </a:p>
+          <a:p>
+            <a:r>
+              <a:rPr lang="en-US" altLang="zh-TW" dirty="0"/>
+              <a:t>Kaggle, PWC</a:t>
+            </a:r>
+          </a:p>
+          <a:p>
+            <a:r>
+              <a:rPr lang="zh-TW" altLang="en-US" dirty="0"/>
+              <a:t>信用卡盜刷</a:t>
+            </a:r>
+            <a:endParaRPr lang="en-US" altLang="zh-TW" dirty="0"/>
+          </a:p>
+          <a:p>
+            <a:r>
+              <a:rPr lang="zh-TW" altLang="en-US" dirty="0"/>
+              <a:t>目錄</a:t>
+            </a:r>
+          </a:p>
+        </p:txBody>
+      </p:sp>
+      <p:sp>
+        <p:nvSpPr>
+          <p:cNvPr id="4" name="投影片編號版面配置區 3"/>
+          <p:cNvSpPr>
+            <a:spLocks noGrp="1"/>
+          </p:cNvSpPr>
+          <p:nvPr>
+            <p:ph type="sldNum" sz="quarter" idx="5"/>
+          </p:nvPr>
+        </p:nvSpPr>
+        <p:spPr/>
+        <p:txBody>
+          <a:bodyPr/>
+          <a:lstStyle/>
+          <a:p>
+            <a:fld id="{6872B3E9-0D97-4CE8-B0DF-442F44951F64}" type="slidenum">
+              <a:rPr lang="zh-TW" altLang="en-US" smtClean="0"/>
+              <a:t>13</a:t>
+            </a:fld>
+            <a:endParaRPr lang="zh-TW" altLang="en-US"/>
+          </a:p>
+        </p:txBody>
+      </p:sp>
+    </p:spTree>
+    <p:extLst>
+      <p:ext uri="{BB962C8B-B14F-4D97-AF65-F5344CB8AC3E}">
+        <p14:creationId xmlns:p14="http://schemas.microsoft.com/office/powerpoint/2010/main" val="275421064"/>
+      </p:ext>
+    </p:extLst>
+  </p:cSld>
+  <p:clrMapOvr>
+    <a:masterClrMapping/>
+  </p:clrMapOvr>
+</p:notes>
+</file>
+
 <file path=ppt/slideLayouts/slideLayout1.xml><?xml version="1.0" encoding="utf-8"?>
 <p:sldLayout xmlns:a="http://schemas.openxmlformats.org/drawingml/2006/main" xmlns:r="http://schemas.openxmlformats.org/officeDocument/2006/relationships" xmlns:p="http://schemas.openxmlformats.org/presentationml/2006/main" type="title" preserve="1">
   <p:cSld name="標題投影片">
@@ -919,7 +1047,7 @@
           <a:p>
             <a:fld id="{432CB213-D9FA-458B-89FB-3EF41A0384E7}" type="datetimeFigureOut">
               <a:rPr lang="en-US" smtClean="0"/>
-              <a:t>10/11/2022</a:t>
+              <a:t>10/12/2022</a:t>
             </a:fld>
             <a:endParaRPr lang="en-US"/>
           </a:p>
@@ -1119,7 +1247,7 @@
           <a:p>
             <a:fld id="{432CB213-D9FA-458B-89FB-3EF41A0384E7}" type="datetimeFigureOut">
               <a:rPr lang="en-US" smtClean="0"/>
-              <a:t>10/11/2022</a:t>
+              <a:t>10/12/2022</a:t>
             </a:fld>
             <a:endParaRPr lang="en-US"/>
           </a:p>
@@ -1329,7 +1457,7 @@
           <a:p>
             <a:fld id="{432CB213-D9FA-458B-89FB-3EF41A0384E7}" type="datetimeFigureOut">
               <a:rPr lang="en-US" smtClean="0"/>
-              <a:t>10/11/2022</a:t>
+              <a:t>10/12/2022</a:t>
             </a:fld>
             <a:endParaRPr lang="en-US"/>
           </a:p>
@@ -1529,7 +1657,7 @@
           <a:p>
             <a:fld id="{432CB213-D9FA-458B-89FB-3EF41A0384E7}" type="datetimeFigureOut">
               <a:rPr lang="en-US" smtClean="0"/>
-              <a:t>10/11/2022</a:t>
+              <a:t>10/12/2022</a:t>
             </a:fld>
             <a:endParaRPr lang="en-US"/>
           </a:p>
@@ -1805,7 +1933,7 @@
           <a:p>
             <a:fld id="{432CB213-D9FA-458B-89FB-3EF41A0384E7}" type="datetimeFigureOut">
               <a:rPr lang="en-US" smtClean="0"/>
-              <a:t>10/11/2022</a:t>
+              <a:t>10/12/2022</a:t>
             </a:fld>
             <a:endParaRPr lang="en-US"/>
           </a:p>
@@ -2073,7 +2201,7 @@
           <a:p>
             <a:fld id="{432CB213-D9FA-458B-89FB-3EF41A0384E7}" type="datetimeFigureOut">
               <a:rPr lang="en-US" smtClean="0"/>
-              <a:t>10/11/2022</a:t>
+              <a:t>10/12/2022</a:t>
             </a:fld>
             <a:endParaRPr lang="en-US"/>
           </a:p>
@@ -2488,7 +2616,7 @@
           <a:p>
             <a:fld id="{432CB213-D9FA-458B-89FB-3EF41A0384E7}" type="datetimeFigureOut">
               <a:rPr lang="en-US" smtClean="0"/>
-              <a:t>10/11/2022</a:t>
+              <a:t>10/12/2022</a:t>
             </a:fld>
             <a:endParaRPr lang="en-US"/>
           </a:p>
@@ -2630,7 +2758,7 @@
           <a:p>
             <a:fld id="{432CB213-D9FA-458B-89FB-3EF41A0384E7}" type="datetimeFigureOut">
               <a:rPr lang="en-US" smtClean="0"/>
-              <a:t>10/11/2022</a:t>
+              <a:t>10/12/2022</a:t>
             </a:fld>
             <a:endParaRPr lang="en-US"/>
           </a:p>
@@ -2743,7 +2871,7 @@
           <a:p>
             <a:fld id="{432CB213-D9FA-458B-89FB-3EF41A0384E7}" type="datetimeFigureOut">
               <a:rPr lang="en-US" smtClean="0"/>
-              <a:t>10/11/2022</a:t>
+              <a:t>10/12/2022</a:t>
             </a:fld>
             <a:endParaRPr lang="en-US"/>
           </a:p>
@@ -3056,7 +3184,7 @@
           <a:p>
             <a:fld id="{432CB213-D9FA-458B-89FB-3EF41A0384E7}" type="datetimeFigureOut">
               <a:rPr lang="en-US" smtClean="0"/>
-              <a:t>10/11/2022</a:t>
+              <a:t>10/12/2022</a:t>
             </a:fld>
             <a:endParaRPr lang="en-US"/>
           </a:p>
@@ -3345,7 +3473,7 @@
           <a:p>
             <a:fld id="{432CB213-D9FA-458B-89FB-3EF41A0384E7}" type="datetimeFigureOut">
               <a:rPr lang="en-US" smtClean="0"/>
-              <a:t>10/11/2022</a:t>
+              <a:t>10/12/2022</a:t>
             </a:fld>
             <a:endParaRPr lang="en-US"/>
           </a:p>
@@ -3588,7 +3716,7 @@
           <a:p>
             <a:fld id="{432CB213-D9FA-458B-89FB-3EF41A0384E7}" type="datetimeFigureOut">
               <a:rPr lang="en-US" smtClean="0"/>
-              <a:t>10/11/2022</a:t>
+              <a:t>10/12/2022</a:t>
             </a:fld>
             <a:endParaRPr lang="en-US"/>
           </a:p>
@@ -4184,6 +4312,549 @@
     <p:extLst>
       <p:ext uri="{BB962C8B-B14F-4D97-AF65-F5344CB8AC3E}">
         <p14:creationId xmlns:p14="http://schemas.microsoft.com/office/powerpoint/2010/main" val="2283418195"/>
+      </p:ext>
+    </p:extLst>
+  </p:cSld>
+  <p:clrMapOvr>
+    <a:masterClrMapping/>
+  </p:clrMapOvr>
+</p:sld>
+</file>
+
+<file path=ppt/slides/slide10.xml><?xml version="1.0" encoding="utf-8"?>
+<p:sld xmlns:a="http://schemas.openxmlformats.org/drawingml/2006/main" xmlns:r="http://schemas.openxmlformats.org/officeDocument/2006/relationships" xmlns:p="http://schemas.openxmlformats.org/presentationml/2006/main">
+  <p:cSld>
+    <p:spTree>
+      <p:nvGrpSpPr>
+        <p:cNvPr id="1" name=""/>
+        <p:cNvGrpSpPr/>
+        <p:nvPr/>
+      </p:nvGrpSpPr>
+      <p:grpSpPr>
+        <a:xfrm>
+          <a:off x="0" y="0"/>
+          <a:ext cx="0" cy="0"/>
+          <a:chOff x="0" y="0"/>
+          <a:chExt cx="0" cy="0"/>
+        </a:xfrm>
+      </p:grpSpPr>
+      <p:pic>
+        <p:nvPicPr>
+          <p:cNvPr id="5" name="圖片 4">
+            <a:extLst>
+              <a:ext uri="{FF2B5EF4-FFF2-40B4-BE49-F238E27FC236}">
+                <a16:creationId xmlns:a16="http://schemas.microsoft.com/office/drawing/2014/main" id="{8ED88B55-03DA-4D51-BD61-9AFEC2DE367C}"/>
+              </a:ext>
+            </a:extLst>
+          </p:cNvPr>
+          <p:cNvPicPr>
+            <a:picLocks noChangeAspect="1"/>
+          </p:cNvPicPr>
+          <p:nvPr/>
+        </p:nvPicPr>
+        <p:blipFill>
+          <a:blip r:embed="rId2"/>
+          <a:stretch>
+            <a:fillRect/>
+          </a:stretch>
+        </p:blipFill>
+        <p:spPr>
+          <a:xfrm>
+            <a:off x="0" y="247226"/>
+            <a:ext cx="12192000" cy="6610774"/>
+          </a:xfrm>
+          <a:prstGeom prst="rect">
+            <a:avLst/>
+          </a:prstGeom>
+        </p:spPr>
+      </p:pic>
+    </p:spTree>
+    <p:extLst>
+      <p:ext uri="{BB962C8B-B14F-4D97-AF65-F5344CB8AC3E}">
+        <p14:creationId xmlns:p14="http://schemas.microsoft.com/office/powerpoint/2010/main" val="2423135839"/>
+      </p:ext>
+    </p:extLst>
+  </p:cSld>
+  <p:clrMapOvr>
+    <a:masterClrMapping/>
+  </p:clrMapOvr>
+</p:sld>
+</file>
+
+<file path=ppt/slides/slide11.xml><?xml version="1.0" encoding="utf-8"?>
+<p:sld xmlns:a="http://schemas.openxmlformats.org/drawingml/2006/main" xmlns:r="http://schemas.openxmlformats.org/officeDocument/2006/relationships" xmlns:p="http://schemas.openxmlformats.org/presentationml/2006/main">
+  <p:cSld>
+    <p:spTree>
+      <p:nvGrpSpPr>
+        <p:cNvPr id="1" name=""/>
+        <p:cNvGrpSpPr/>
+        <p:nvPr/>
+      </p:nvGrpSpPr>
+      <p:grpSpPr>
+        <a:xfrm>
+          <a:off x="0" y="0"/>
+          <a:ext cx="0" cy="0"/>
+          <a:chOff x="0" y="0"/>
+          <a:chExt cx="0" cy="0"/>
+        </a:xfrm>
+      </p:grpSpPr>
+      <p:pic>
+        <p:nvPicPr>
+          <p:cNvPr id="7" name="圖片 6">
+            <a:extLst>
+              <a:ext uri="{FF2B5EF4-FFF2-40B4-BE49-F238E27FC236}">
+                <a16:creationId xmlns:a16="http://schemas.microsoft.com/office/drawing/2014/main" id="{22839421-B432-455D-B4E8-927DC71EC754}"/>
+              </a:ext>
+            </a:extLst>
+          </p:cNvPr>
+          <p:cNvPicPr>
+            <a:picLocks noChangeAspect="1"/>
+          </p:cNvPicPr>
+          <p:nvPr/>
+        </p:nvPicPr>
+        <p:blipFill>
+          <a:blip r:embed="rId2"/>
+          <a:stretch>
+            <a:fillRect/>
+          </a:stretch>
+        </p:blipFill>
+        <p:spPr>
+          <a:xfrm>
+            <a:off x="838200" y="1316040"/>
+            <a:ext cx="10327436" cy="5303838"/>
+          </a:xfrm>
+          <a:prstGeom prst="rect">
+            <a:avLst/>
+          </a:prstGeom>
+        </p:spPr>
+      </p:pic>
+      <p:sp>
+        <p:nvSpPr>
+          <p:cNvPr id="2" name="標題 1">
+            <a:extLst>
+              <a:ext uri="{FF2B5EF4-FFF2-40B4-BE49-F238E27FC236}">
+                <a16:creationId xmlns:a16="http://schemas.microsoft.com/office/drawing/2014/main" id="{97087699-9A24-4A72-854F-BDE5FDFD2408}"/>
+              </a:ext>
+            </a:extLst>
+          </p:cNvPr>
+          <p:cNvSpPr>
+            <a:spLocks noGrp="1"/>
+          </p:cNvSpPr>
+          <p:nvPr>
+            <p:ph type="title"/>
+          </p:nvPr>
+        </p:nvSpPr>
+        <p:spPr/>
+        <p:txBody>
+          <a:bodyPr/>
+          <a:lstStyle/>
+          <a:p>
+            <a:r>
+              <a:rPr lang="en-US" altLang="zh-TW" dirty="0"/>
+              <a:t>Adult Data Set</a:t>
+            </a:r>
+          </a:p>
+        </p:txBody>
+      </p:sp>
+      <p:sp>
+        <p:nvSpPr>
+          <p:cNvPr id="6" name="矩形 5">
+            <a:extLst>
+              <a:ext uri="{FF2B5EF4-FFF2-40B4-BE49-F238E27FC236}">
+                <a16:creationId xmlns:a16="http://schemas.microsoft.com/office/drawing/2014/main" id="{FD24DFF3-7839-4C08-9763-2502D214E4BD}"/>
+              </a:ext>
+            </a:extLst>
+          </p:cNvPr>
+          <p:cNvSpPr/>
+          <p:nvPr/>
+        </p:nvSpPr>
+        <p:spPr>
+          <a:xfrm>
+            <a:off x="1021080" y="4831081"/>
+            <a:ext cx="5173980" cy="594360"/>
+          </a:xfrm>
+          <a:prstGeom prst="rect">
+            <a:avLst/>
+          </a:prstGeom>
+          <a:noFill/>
+          <a:ln w="28575">
+            <a:solidFill>
+              <a:srgbClr val="FF0000"/>
+            </a:solidFill>
+            <a:prstDash val="dash"/>
+          </a:ln>
+        </p:spPr>
+        <p:style>
+          <a:lnRef idx="2">
+            <a:schemeClr val="accent1">
+              <a:shade val="50000"/>
+            </a:schemeClr>
+          </a:lnRef>
+          <a:fillRef idx="1">
+            <a:schemeClr val="accent1"/>
+          </a:fillRef>
+          <a:effectRef idx="0">
+            <a:schemeClr val="accent1"/>
+          </a:effectRef>
+          <a:fontRef idx="minor">
+            <a:schemeClr val="lt1"/>
+          </a:fontRef>
+        </p:style>
+        <p:txBody>
+          <a:bodyPr rtlCol="0" anchor="ctr"/>
+          <a:lstStyle/>
+          <a:p>
+            <a:pPr algn="ctr"/>
+            <a:endParaRPr lang="zh-TW" altLang="en-US"/>
+          </a:p>
+        </p:txBody>
+      </p:sp>
+      <p:pic>
+        <p:nvPicPr>
+          <p:cNvPr id="8" name="圖片 7">
+            <a:extLst>
+              <a:ext uri="{FF2B5EF4-FFF2-40B4-BE49-F238E27FC236}">
+                <a16:creationId xmlns:a16="http://schemas.microsoft.com/office/drawing/2014/main" id="{8FED0681-47E2-4C52-ABD9-9BC204FA7D81}"/>
+              </a:ext>
+            </a:extLst>
+          </p:cNvPr>
+          <p:cNvPicPr>
+            <a:picLocks noChangeAspect="1"/>
+          </p:cNvPicPr>
+          <p:nvPr/>
+        </p:nvPicPr>
+        <p:blipFill>
+          <a:blip r:embed="rId3"/>
+          <a:stretch>
+            <a:fillRect/>
+          </a:stretch>
+        </p:blipFill>
+        <p:spPr>
+          <a:xfrm>
+            <a:off x="6572250" y="181421"/>
+            <a:ext cx="4895850" cy="1318324"/>
+          </a:xfrm>
+          <a:prstGeom prst="rect">
+            <a:avLst/>
+          </a:prstGeom>
+        </p:spPr>
+      </p:pic>
+    </p:spTree>
+    <p:extLst>
+      <p:ext uri="{BB962C8B-B14F-4D97-AF65-F5344CB8AC3E}">
+        <p14:creationId xmlns:p14="http://schemas.microsoft.com/office/powerpoint/2010/main" val="1579071893"/>
+      </p:ext>
+    </p:extLst>
+  </p:cSld>
+  <p:clrMapOvr>
+    <a:masterClrMapping/>
+  </p:clrMapOvr>
+</p:sld>
+</file>
+
+<file path=ppt/slides/slide12.xml><?xml version="1.0" encoding="utf-8"?>
+<p:sld xmlns:a="http://schemas.openxmlformats.org/drawingml/2006/main" xmlns:r="http://schemas.openxmlformats.org/officeDocument/2006/relationships" xmlns:p="http://schemas.openxmlformats.org/presentationml/2006/main">
+  <p:cSld>
+    <p:spTree>
+      <p:nvGrpSpPr>
+        <p:cNvPr id="1" name=""/>
+        <p:cNvGrpSpPr/>
+        <p:nvPr/>
+      </p:nvGrpSpPr>
+      <p:grpSpPr>
+        <a:xfrm>
+          <a:off x="0" y="0"/>
+          <a:ext cx="0" cy="0"/>
+          <a:chOff x="0" y="0"/>
+          <a:chExt cx="0" cy="0"/>
+        </a:xfrm>
+      </p:grpSpPr>
+      <p:pic>
+        <p:nvPicPr>
+          <p:cNvPr id="4" name="圖片 3">
+            <a:extLst>
+              <a:ext uri="{FF2B5EF4-FFF2-40B4-BE49-F238E27FC236}">
+                <a16:creationId xmlns:a16="http://schemas.microsoft.com/office/drawing/2014/main" id="{F9259BF5-CACE-4BEE-97B4-D9A6A621E00B}"/>
+              </a:ext>
+            </a:extLst>
+          </p:cNvPr>
+          <p:cNvPicPr>
+            <a:picLocks noChangeAspect="1"/>
+          </p:cNvPicPr>
+          <p:nvPr/>
+        </p:nvPicPr>
+        <p:blipFill>
+          <a:blip r:embed="rId2"/>
+          <a:stretch>
+            <a:fillRect/>
+          </a:stretch>
+        </p:blipFill>
+        <p:spPr>
+          <a:xfrm>
+            <a:off x="0" y="288358"/>
+            <a:ext cx="12192000" cy="6569642"/>
+          </a:xfrm>
+          <a:prstGeom prst="rect">
+            <a:avLst/>
+          </a:prstGeom>
+        </p:spPr>
+      </p:pic>
+    </p:spTree>
+    <p:extLst>
+      <p:ext uri="{BB962C8B-B14F-4D97-AF65-F5344CB8AC3E}">
+        <p14:creationId xmlns:p14="http://schemas.microsoft.com/office/powerpoint/2010/main" val="432443722"/>
+      </p:ext>
+    </p:extLst>
+  </p:cSld>
+  <p:clrMapOvr>
+    <a:masterClrMapping/>
+  </p:clrMapOvr>
+</p:sld>
+</file>
+
+<file path=ppt/slides/slide13.xml><?xml version="1.0" encoding="utf-8"?>
+<p:sld xmlns:a="http://schemas.openxmlformats.org/drawingml/2006/main" xmlns:r="http://schemas.openxmlformats.org/officeDocument/2006/relationships" xmlns:p="http://schemas.openxmlformats.org/presentationml/2006/main">
+  <p:cSld>
+    <p:spTree>
+      <p:nvGrpSpPr>
+        <p:cNvPr id="1" name=""/>
+        <p:cNvGrpSpPr/>
+        <p:nvPr/>
+      </p:nvGrpSpPr>
+      <p:grpSpPr>
+        <a:xfrm>
+          <a:off x="0" y="0"/>
+          <a:ext cx="0" cy="0"/>
+          <a:chOff x="0" y="0"/>
+          <a:chExt cx="0" cy="0"/>
+        </a:xfrm>
+      </p:grpSpPr>
+      <p:sp>
+        <p:nvSpPr>
+          <p:cNvPr id="2" name="標題 1">
+            <a:extLst>
+              <a:ext uri="{FF2B5EF4-FFF2-40B4-BE49-F238E27FC236}">
+                <a16:creationId xmlns:a16="http://schemas.microsoft.com/office/drawing/2014/main" id="{CD9F3C30-AB32-4721-B950-B5DAE06B14B8}"/>
+              </a:ext>
+            </a:extLst>
+          </p:cNvPr>
+          <p:cNvSpPr>
+            <a:spLocks noGrp="1"/>
+          </p:cNvSpPr>
+          <p:nvPr>
+            <p:ph type="title"/>
+          </p:nvPr>
+        </p:nvSpPr>
+        <p:spPr/>
+        <p:txBody>
+          <a:bodyPr/>
+          <a:lstStyle/>
+          <a:p>
+            <a:endParaRPr lang="zh-TW" altLang="en-US"/>
+          </a:p>
+        </p:txBody>
+      </p:sp>
+      <p:sp>
+        <p:nvSpPr>
+          <p:cNvPr id="3" name="內容版面配置區 2">
+            <a:extLst>
+              <a:ext uri="{FF2B5EF4-FFF2-40B4-BE49-F238E27FC236}">
+                <a16:creationId xmlns:a16="http://schemas.microsoft.com/office/drawing/2014/main" id="{A45273BD-D8AA-479A-8DE0-A57F8871EA1D}"/>
+              </a:ext>
+            </a:extLst>
+          </p:cNvPr>
+          <p:cNvSpPr>
+            <a:spLocks noGrp="1"/>
+          </p:cNvSpPr>
+          <p:nvPr>
+            <p:ph idx="1"/>
+          </p:nvPr>
+        </p:nvSpPr>
+        <p:spPr/>
+        <p:txBody>
+          <a:bodyPr/>
+          <a:lstStyle/>
+          <a:p>
+            <a:endParaRPr lang="zh-TW" altLang="en-US"/>
+          </a:p>
+        </p:txBody>
+      </p:sp>
+      <p:pic>
+        <p:nvPicPr>
+          <p:cNvPr id="4" name="圖片 3">
+            <a:extLst>
+              <a:ext uri="{FF2B5EF4-FFF2-40B4-BE49-F238E27FC236}">
+                <a16:creationId xmlns:a16="http://schemas.microsoft.com/office/drawing/2014/main" id="{CBCCBEE5-7107-4B63-8600-DFB05902B3F5}"/>
+              </a:ext>
+            </a:extLst>
+          </p:cNvPr>
+          <p:cNvPicPr>
+            <a:picLocks noChangeAspect="1"/>
+          </p:cNvPicPr>
+          <p:nvPr/>
+        </p:nvPicPr>
+        <p:blipFill>
+          <a:blip r:embed="rId3"/>
+          <a:stretch>
+            <a:fillRect/>
+          </a:stretch>
+        </p:blipFill>
+        <p:spPr>
+          <a:xfrm>
+            <a:off x="0" y="349693"/>
+            <a:ext cx="12192000" cy="6508307"/>
+          </a:xfrm>
+          <a:prstGeom prst="rect">
+            <a:avLst/>
+          </a:prstGeom>
+        </p:spPr>
+      </p:pic>
+    </p:spTree>
+    <p:extLst>
+      <p:ext uri="{BB962C8B-B14F-4D97-AF65-F5344CB8AC3E}">
+        <p14:creationId xmlns:p14="http://schemas.microsoft.com/office/powerpoint/2010/main" val="3148772301"/>
+      </p:ext>
+    </p:extLst>
+  </p:cSld>
+  <p:clrMapOvr>
+    <a:masterClrMapping/>
+  </p:clrMapOvr>
+</p:sld>
+</file>
+
+<file path=ppt/slides/slide14.xml><?xml version="1.0" encoding="utf-8"?>
+<p:sld xmlns:a="http://schemas.openxmlformats.org/drawingml/2006/main" xmlns:r="http://schemas.openxmlformats.org/officeDocument/2006/relationships" xmlns:p="http://schemas.openxmlformats.org/presentationml/2006/main">
+  <p:cSld>
+    <p:spTree>
+      <p:nvGrpSpPr>
+        <p:cNvPr id="1" name=""/>
+        <p:cNvGrpSpPr/>
+        <p:nvPr/>
+      </p:nvGrpSpPr>
+      <p:grpSpPr>
+        <a:xfrm>
+          <a:off x="0" y="0"/>
+          <a:ext cx="0" cy="0"/>
+          <a:chOff x="0" y="0"/>
+          <a:chExt cx="0" cy="0"/>
+        </a:xfrm>
+      </p:grpSpPr>
+      <p:sp>
+        <p:nvSpPr>
+          <p:cNvPr id="2" name="標題 1">
+            <a:extLst>
+              <a:ext uri="{FF2B5EF4-FFF2-40B4-BE49-F238E27FC236}">
+                <a16:creationId xmlns:a16="http://schemas.microsoft.com/office/drawing/2014/main" id="{1B63945A-421B-45F7-9B7C-3A0FFD17366D}"/>
+              </a:ext>
+            </a:extLst>
+          </p:cNvPr>
+          <p:cNvSpPr>
+            <a:spLocks noGrp="1"/>
+          </p:cNvSpPr>
+          <p:nvPr>
+            <p:ph type="title"/>
+          </p:nvPr>
+        </p:nvSpPr>
+        <p:spPr/>
+        <p:txBody>
+          <a:bodyPr/>
+          <a:lstStyle/>
+          <a:p>
+            <a:r>
+              <a:rPr lang="en-US" altLang="zh-TW" dirty="0"/>
+              <a:t>To-do</a:t>
+            </a:r>
+            <a:endParaRPr lang="zh-TW" altLang="en-US" dirty="0"/>
+          </a:p>
+        </p:txBody>
+      </p:sp>
+      <p:sp>
+        <p:nvSpPr>
+          <p:cNvPr id="3" name="內容版面配置區 2">
+            <a:extLst>
+              <a:ext uri="{FF2B5EF4-FFF2-40B4-BE49-F238E27FC236}">
+                <a16:creationId xmlns:a16="http://schemas.microsoft.com/office/drawing/2014/main" id="{FAA5F9D5-364C-4651-8F6B-5F1598682DE4}"/>
+              </a:ext>
+            </a:extLst>
+          </p:cNvPr>
+          <p:cNvSpPr>
+            <a:spLocks noGrp="1"/>
+          </p:cNvSpPr>
+          <p:nvPr>
+            <p:ph idx="1"/>
+          </p:nvPr>
+        </p:nvSpPr>
+        <p:spPr/>
+        <p:txBody>
+          <a:bodyPr/>
+          <a:lstStyle/>
+          <a:p>
+            <a:r>
+              <a:rPr lang="en-US" altLang="zh-TW" dirty="0"/>
+              <a:t>Datasets</a:t>
+            </a:r>
+          </a:p>
+          <a:p>
+            <a:pPr lvl="1"/>
+            <a:r>
+              <a:rPr lang="en-US" altLang="zh-TW" dirty="0"/>
+              <a:t>AUO data</a:t>
+            </a:r>
+          </a:p>
+          <a:p>
+            <a:pPr lvl="1"/>
+            <a:r>
+              <a:rPr lang="en-US" altLang="zh-TW" dirty="0"/>
+              <a:t>Imbalance (Kaggle, UCI, paper with code)</a:t>
+            </a:r>
+          </a:p>
+          <a:p>
+            <a:pPr lvl="1"/>
+            <a:r>
+              <a:rPr lang="zh-TW" altLang="en-US" dirty="0"/>
+              <a:t>信用卡盜刷</a:t>
+            </a:r>
+            <a:endParaRPr lang="en-US" altLang="zh-TW" dirty="0"/>
+          </a:p>
+          <a:p>
+            <a:r>
+              <a:rPr lang="en-US" altLang="zh-TW" dirty="0"/>
+              <a:t>Classification</a:t>
+            </a:r>
+          </a:p>
+          <a:p>
+            <a:pPr lvl="1"/>
+            <a:r>
+              <a:rPr lang="en-US" altLang="zh-TW" dirty="0"/>
+              <a:t>Record feature importance</a:t>
+            </a:r>
+          </a:p>
+          <a:p>
+            <a:r>
+              <a:rPr lang="en-US" altLang="zh-TW" dirty="0"/>
+              <a:t>Thesis</a:t>
+            </a:r>
+          </a:p>
+          <a:p>
+            <a:pPr lvl="1"/>
+            <a:r>
+              <a:rPr lang="en-US" altLang="zh-TW" dirty="0"/>
+              <a:t>Chapter 3,4 </a:t>
+            </a:r>
+            <a:r>
+              <a:rPr lang="zh-TW" altLang="en-US" dirty="0"/>
+              <a:t>目錄</a:t>
+            </a:r>
+          </a:p>
+          <a:p>
+            <a:endParaRPr lang="zh-TW" altLang="en-US" dirty="0"/>
+          </a:p>
+        </p:txBody>
+      </p:sp>
+    </p:spTree>
+    <p:extLst>
+      <p:ext uri="{BB962C8B-B14F-4D97-AF65-F5344CB8AC3E}">
+        <p14:creationId xmlns:p14="http://schemas.microsoft.com/office/powerpoint/2010/main" val="2965370595"/>
       </p:ext>
     </p:extLst>
   </p:cSld>
@@ -6501,8 +7172,8 @@
         </p:nvSpPr>
         <p:spPr>
           <a:xfrm>
-            <a:off x="384976" y="1817674"/>
-            <a:ext cx="11136464" cy="3773501"/>
+            <a:off x="384976" y="1817673"/>
+            <a:ext cx="11136464" cy="4486411"/>
           </a:xfrm>
         </p:spPr>
         <p:txBody>
@@ -6531,8 +7202,11 @@
             </a:r>
           </a:p>
           <a:p>
-            <a:pPr lvl="2"/>
-            <a:endParaRPr lang="en-US" altLang="zh-TW" dirty="0"/>
+            <a:pPr lvl="1"/>
+            <a:r>
+              <a:rPr lang="en-US" altLang="zh-TW" dirty="0"/>
+              <a:t>Compared with ordinal, and mean encoding</a:t>
+            </a:r>
           </a:p>
           <a:p>
             <a:pPr lvl="1">
@@ -6568,21 +7242,29 @@
             </a:r>
           </a:p>
           <a:p>
-            <a:pPr marL="457200" lvl="1" indent="0">
+            <a:pPr lvl="1">
               <a:lnSpc>
                 <a:spcPct val="150000"/>
               </a:lnSpc>
-              <a:buNone/>
+              <a:buFont typeface="Wingdings" panose="05000000000000000000" pitchFamily="2" charset="2"/>
+              <a:buChar char="è"/>
             </a:pPr>
             <a:r>
-              <a:rPr lang="en-US" altLang="zh-TW" dirty="0">
-                <a:sym typeface="Wingdings" panose="05000000000000000000" pitchFamily="2" charset="2"/>
-              </a:rPr>
-              <a:t> </a:t>
-            </a:r>
-            <a:r>
               <a:rPr lang="en-US" altLang="zh-TW" dirty="0"/>
-              <a:t>Grouping with columns sequence	</a:t>
+              <a:t>Grouping with columns sequence</a:t>
+            </a:r>
+          </a:p>
+          <a:p>
+            <a:pPr lvl="1">
+              <a:lnSpc>
+                <a:spcPct val="150000"/>
+              </a:lnSpc>
+              <a:buFont typeface="Wingdings" panose="05000000000000000000" pitchFamily="2" charset="2"/>
+              <a:buChar char="è"/>
+            </a:pPr>
+            <a:r>
+              <a:rPr lang="en-US" altLang="zh-TW" dirty="0"/>
+              <a:t>Try with others UCI datasets</a:t>
             </a:r>
           </a:p>
         </p:txBody>
@@ -6823,10 +7505,10 @@
       </p:grpSpPr>
       <p:pic>
         <p:nvPicPr>
-          <p:cNvPr id="7" name="圖片 6">
-            <a:extLst>
-              <a:ext uri="{FF2B5EF4-FFF2-40B4-BE49-F238E27FC236}">
-                <a16:creationId xmlns:a16="http://schemas.microsoft.com/office/drawing/2014/main" id="{22839421-B432-455D-B4E8-927DC71EC754}"/>
+          <p:cNvPr id="5" name="圖片 4">
+            <a:extLst>
+              <a:ext uri="{FF2B5EF4-FFF2-40B4-BE49-F238E27FC236}">
+                <a16:creationId xmlns:a16="http://schemas.microsoft.com/office/drawing/2014/main" id="{BD82A4F4-5A7E-46F2-BBD0-DC7A70B792C7}"/>
               </a:ext>
             </a:extLst>
           </p:cNvPr>
@@ -6843,119 +7525,8 @@
         </p:blipFill>
         <p:spPr>
           <a:xfrm>
-            <a:off x="838200" y="1316040"/>
-            <a:ext cx="10327436" cy="5303838"/>
-          </a:xfrm>
-          <a:prstGeom prst="rect">
-            <a:avLst/>
-          </a:prstGeom>
-        </p:spPr>
-      </p:pic>
-      <p:sp>
-        <p:nvSpPr>
-          <p:cNvPr id="2" name="標題 1">
-            <a:extLst>
-              <a:ext uri="{FF2B5EF4-FFF2-40B4-BE49-F238E27FC236}">
-                <a16:creationId xmlns:a16="http://schemas.microsoft.com/office/drawing/2014/main" id="{97087699-9A24-4A72-854F-BDE5FDFD2408}"/>
-              </a:ext>
-            </a:extLst>
-          </p:cNvPr>
-          <p:cNvSpPr>
-            <a:spLocks noGrp="1"/>
-          </p:cNvSpPr>
-          <p:nvPr>
-            <p:ph type="title"/>
-          </p:nvPr>
-        </p:nvSpPr>
-        <p:spPr/>
-        <p:txBody>
-          <a:bodyPr/>
-          <a:lstStyle/>
-          <a:p>
-            <a:r>
-              <a:rPr lang="en-US" altLang="zh-TW" dirty="0"/>
-              <a:t>Adult Data Set</a:t>
-            </a:r>
-          </a:p>
-        </p:txBody>
-      </p:sp>
-      <p:sp>
-        <p:nvSpPr>
-          <p:cNvPr id="6" name="矩形 5">
-            <a:extLst>
-              <a:ext uri="{FF2B5EF4-FFF2-40B4-BE49-F238E27FC236}">
-                <a16:creationId xmlns:a16="http://schemas.microsoft.com/office/drawing/2014/main" id="{FD24DFF3-7839-4C08-9763-2502D214E4BD}"/>
-              </a:ext>
-            </a:extLst>
-          </p:cNvPr>
-          <p:cNvSpPr/>
-          <p:nvPr/>
-        </p:nvSpPr>
-        <p:spPr>
-          <a:xfrm>
-            <a:off x="1021080" y="4831081"/>
-            <a:ext cx="5173980" cy="594360"/>
-          </a:xfrm>
-          <a:prstGeom prst="rect">
-            <a:avLst/>
-          </a:prstGeom>
-          <a:noFill/>
-          <a:ln w="28575">
-            <a:solidFill>
-              <a:srgbClr val="FF0000"/>
-            </a:solidFill>
-            <a:prstDash val="dash"/>
-          </a:ln>
-        </p:spPr>
-        <p:style>
-          <a:lnRef idx="2">
-            <a:schemeClr val="accent1">
-              <a:shade val="50000"/>
-            </a:schemeClr>
-          </a:lnRef>
-          <a:fillRef idx="1">
-            <a:schemeClr val="accent1"/>
-          </a:fillRef>
-          <a:effectRef idx="0">
-            <a:schemeClr val="accent1"/>
-          </a:effectRef>
-          <a:fontRef idx="minor">
-            <a:schemeClr val="lt1"/>
-          </a:fontRef>
-        </p:style>
-        <p:txBody>
-          <a:bodyPr rtlCol="0" anchor="ctr"/>
-          <a:lstStyle/>
-          <a:p>
-            <a:pPr algn="ctr"/>
-            <a:endParaRPr lang="zh-TW" altLang="en-US"/>
-          </a:p>
-        </p:txBody>
-      </p:sp>
-      <p:pic>
-        <p:nvPicPr>
-          <p:cNvPr id="8" name="圖片 7">
-            <a:extLst>
-              <a:ext uri="{FF2B5EF4-FFF2-40B4-BE49-F238E27FC236}">
-                <a16:creationId xmlns:a16="http://schemas.microsoft.com/office/drawing/2014/main" id="{8FED0681-47E2-4C52-ABD9-9BC204FA7D81}"/>
-              </a:ext>
-            </a:extLst>
-          </p:cNvPr>
-          <p:cNvPicPr>
-            <a:picLocks noChangeAspect="1"/>
-          </p:cNvPicPr>
-          <p:nvPr/>
-        </p:nvPicPr>
-        <p:blipFill>
-          <a:blip r:embed="rId3"/>
-          <a:stretch>
-            <a:fillRect/>
-          </a:stretch>
-        </p:blipFill>
-        <p:spPr>
-          <a:xfrm>
-            <a:off x="6572250" y="181421"/>
-            <a:ext cx="4895850" cy="1318324"/>
+            <a:off x="0" y="250897"/>
+            <a:ext cx="12192000" cy="6607103"/>
           </a:xfrm>
           <a:prstGeom prst="rect">
             <a:avLst/>
@@ -6965,7 +7536,7 @@
     </p:spTree>
     <p:extLst>
       <p:ext uri="{BB962C8B-B14F-4D97-AF65-F5344CB8AC3E}">
-        <p14:creationId xmlns:p14="http://schemas.microsoft.com/office/powerpoint/2010/main" val="1579071893"/>
+        <p14:creationId xmlns:p14="http://schemas.microsoft.com/office/powerpoint/2010/main" val="2289341229"/>
       </p:ext>
     </p:extLst>
   </p:cSld>

--- a/ppt/2022-10 meeting.pptx
+++ b/ppt/2022-10 meeting.pptx
@@ -5,7 +5,7 @@
     <p:sldMasterId id="2147483648" r:id="rId1"/>
   </p:sldMasterIdLst>
   <p:notesMasterIdLst>
-    <p:notesMasterId r:id="rId16"/>
+    <p:notesMasterId r:id="rId17"/>
   </p:notesMasterIdLst>
   <p:sldIdLst>
     <p:sldId id="410" r:id="rId2"/>
@@ -22,6 +22,7 @@
     <p:sldId id="422" r:id="rId13"/>
     <p:sldId id="424" r:id="rId14"/>
     <p:sldId id="425" r:id="rId15"/>
+    <p:sldId id="426" r:id="rId16"/>
   </p:sldIdLst>
   <p:sldSz cx="12192000" cy="6858000"/>
   <p:notesSz cx="6858000" cy="9144000"/>
@@ -143,6 +144,7 @@
             <p14:sldId id="422"/>
             <p14:sldId id="424"/>
             <p14:sldId id="425"/>
+            <p14:sldId id="426"/>
           </p14:sldIdLst>
         </p14:section>
       </p14:sectionLst>
@@ -236,7 +238,7 @@
           <a:p>
             <a:fld id="{3F908B55-4B1A-4E0A-A383-4812071FEBF5}" type="datetimeFigureOut">
               <a:rPr lang="zh-TW" altLang="en-US" smtClean="0"/>
-              <a:t>2022/10/12</a:t>
+              <a:t>2022/10/14</a:t>
             </a:fld>
             <a:endParaRPr lang="zh-TW" altLang="en-US"/>
           </a:p>
@@ -1047,7 +1049,7 @@
           <a:p>
             <a:fld id="{432CB213-D9FA-458B-89FB-3EF41A0384E7}" type="datetimeFigureOut">
               <a:rPr lang="en-US" smtClean="0"/>
-              <a:t>10/12/2022</a:t>
+              <a:t>10/14/2022</a:t>
             </a:fld>
             <a:endParaRPr lang="en-US"/>
           </a:p>
@@ -1247,7 +1249,7 @@
           <a:p>
             <a:fld id="{432CB213-D9FA-458B-89FB-3EF41A0384E7}" type="datetimeFigureOut">
               <a:rPr lang="en-US" smtClean="0"/>
-              <a:t>10/12/2022</a:t>
+              <a:t>10/14/2022</a:t>
             </a:fld>
             <a:endParaRPr lang="en-US"/>
           </a:p>
@@ -1457,7 +1459,7 @@
           <a:p>
             <a:fld id="{432CB213-D9FA-458B-89FB-3EF41A0384E7}" type="datetimeFigureOut">
               <a:rPr lang="en-US" smtClean="0"/>
-              <a:t>10/12/2022</a:t>
+              <a:t>10/14/2022</a:t>
             </a:fld>
             <a:endParaRPr lang="en-US"/>
           </a:p>
@@ -1657,7 +1659,7 @@
           <a:p>
             <a:fld id="{432CB213-D9FA-458B-89FB-3EF41A0384E7}" type="datetimeFigureOut">
               <a:rPr lang="en-US" smtClean="0"/>
-              <a:t>10/12/2022</a:t>
+              <a:t>10/14/2022</a:t>
             </a:fld>
             <a:endParaRPr lang="en-US"/>
           </a:p>
@@ -1933,7 +1935,7 @@
           <a:p>
             <a:fld id="{432CB213-D9FA-458B-89FB-3EF41A0384E7}" type="datetimeFigureOut">
               <a:rPr lang="en-US" smtClean="0"/>
-              <a:t>10/12/2022</a:t>
+              <a:t>10/14/2022</a:t>
             </a:fld>
             <a:endParaRPr lang="en-US"/>
           </a:p>
@@ -2201,7 +2203,7 @@
           <a:p>
             <a:fld id="{432CB213-D9FA-458B-89FB-3EF41A0384E7}" type="datetimeFigureOut">
               <a:rPr lang="en-US" smtClean="0"/>
-              <a:t>10/12/2022</a:t>
+              <a:t>10/14/2022</a:t>
             </a:fld>
             <a:endParaRPr lang="en-US"/>
           </a:p>
@@ -2616,7 +2618,7 @@
           <a:p>
             <a:fld id="{432CB213-D9FA-458B-89FB-3EF41A0384E7}" type="datetimeFigureOut">
               <a:rPr lang="en-US" smtClean="0"/>
-              <a:t>10/12/2022</a:t>
+              <a:t>10/14/2022</a:t>
             </a:fld>
             <a:endParaRPr lang="en-US"/>
           </a:p>
@@ -2758,7 +2760,7 @@
           <a:p>
             <a:fld id="{432CB213-D9FA-458B-89FB-3EF41A0384E7}" type="datetimeFigureOut">
               <a:rPr lang="en-US" smtClean="0"/>
-              <a:t>10/12/2022</a:t>
+              <a:t>10/14/2022</a:t>
             </a:fld>
             <a:endParaRPr lang="en-US"/>
           </a:p>
@@ -2871,7 +2873,7 @@
           <a:p>
             <a:fld id="{432CB213-D9FA-458B-89FB-3EF41A0384E7}" type="datetimeFigureOut">
               <a:rPr lang="en-US" smtClean="0"/>
-              <a:t>10/12/2022</a:t>
+              <a:t>10/14/2022</a:t>
             </a:fld>
             <a:endParaRPr lang="en-US"/>
           </a:p>
@@ -3184,7 +3186,7 @@
           <a:p>
             <a:fld id="{432CB213-D9FA-458B-89FB-3EF41A0384E7}" type="datetimeFigureOut">
               <a:rPr lang="en-US" smtClean="0"/>
-              <a:t>10/12/2022</a:t>
+              <a:t>10/14/2022</a:t>
             </a:fld>
             <a:endParaRPr lang="en-US"/>
           </a:p>
@@ -3473,7 +3475,7 @@
           <a:p>
             <a:fld id="{432CB213-D9FA-458B-89FB-3EF41A0384E7}" type="datetimeFigureOut">
               <a:rPr lang="en-US" smtClean="0"/>
-              <a:t>10/12/2022</a:t>
+              <a:t>10/14/2022</a:t>
             </a:fld>
             <a:endParaRPr lang="en-US"/>
           </a:p>
@@ -3716,7 +3718,7 @@
           <a:p>
             <a:fld id="{432CB213-D9FA-458B-89FB-3EF41A0384E7}" type="datetimeFigureOut">
               <a:rPr lang="en-US" smtClean="0"/>
-              <a:t>10/12/2022</a:t>
+              <a:t>10/14/2022</a:t>
             </a:fld>
             <a:endParaRPr lang="en-US"/>
           </a:p>
@@ -4855,6 +4857,538 @@
     <p:extLst>
       <p:ext uri="{BB962C8B-B14F-4D97-AF65-F5344CB8AC3E}">
         <p14:creationId xmlns:p14="http://schemas.microsoft.com/office/powerpoint/2010/main" val="2965370595"/>
+      </p:ext>
+    </p:extLst>
+  </p:cSld>
+  <p:clrMapOvr>
+    <a:masterClrMapping/>
+  </p:clrMapOvr>
+</p:sld>
+</file>
+
+<file path=ppt/slides/slide15.xml><?xml version="1.0" encoding="utf-8"?>
+<p:sld xmlns:a="http://schemas.openxmlformats.org/drawingml/2006/main" xmlns:r="http://schemas.openxmlformats.org/officeDocument/2006/relationships" xmlns:p="http://schemas.openxmlformats.org/presentationml/2006/main">
+  <p:cSld>
+    <p:spTree>
+      <p:nvGrpSpPr>
+        <p:cNvPr id="1" name=""/>
+        <p:cNvGrpSpPr/>
+        <p:nvPr/>
+      </p:nvGrpSpPr>
+      <p:grpSpPr>
+        <a:xfrm>
+          <a:off x="0" y="0"/>
+          <a:ext cx="0" cy="0"/>
+          <a:chOff x="0" y="0"/>
+          <a:chExt cx="0" cy="0"/>
+        </a:xfrm>
+      </p:grpSpPr>
+      <p:grpSp>
+        <p:nvGrpSpPr>
+          <p:cNvPr id="34" name="群組 33">
+            <a:extLst>
+              <a:ext uri="{FF2B5EF4-FFF2-40B4-BE49-F238E27FC236}">
+                <a16:creationId xmlns:a16="http://schemas.microsoft.com/office/drawing/2014/main" id="{0CC2BF41-691B-43C2-8E08-65A4FDBF7729}"/>
+              </a:ext>
+            </a:extLst>
+          </p:cNvPr>
+          <p:cNvGrpSpPr/>
+          <p:nvPr/>
+        </p:nvGrpSpPr>
+        <p:grpSpPr>
+          <a:xfrm>
+            <a:off x="2925141" y="2070860"/>
+            <a:ext cx="6783870" cy="2529508"/>
+            <a:chOff x="2925141" y="2070860"/>
+            <a:chExt cx="6783870" cy="2529508"/>
+          </a:xfrm>
+        </p:grpSpPr>
+        <p:sp>
+          <p:nvSpPr>
+            <p:cNvPr id="4" name="矩形: 圓角 3">
+              <a:extLst>
+                <a:ext uri="{FF2B5EF4-FFF2-40B4-BE49-F238E27FC236}">
+                  <a16:creationId xmlns:a16="http://schemas.microsoft.com/office/drawing/2014/main" id="{D0003C19-41F1-42B8-9484-2FCDA4E94CD6}"/>
+                </a:ext>
+              </a:extLst>
+            </p:cNvPr>
+            <p:cNvSpPr/>
+            <p:nvPr/>
+          </p:nvSpPr>
+          <p:spPr>
+            <a:xfrm rot="5400000">
+              <a:off x="2067892" y="2928109"/>
+              <a:ext cx="2529508" cy="815009"/>
+            </a:xfrm>
+            <a:prstGeom prst="roundRect">
+              <a:avLst/>
+            </a:prstGeom>
+            <a:noFill/>
+            <a:ln w="57150">
+              <a:solidFill>
+                <a:schemeClr val="tx1"/>
+              </a:solidFill>
+            </a:ln>
+          </p:spPr>
+          <p:style>
+            <a:lnRef idx="2">
+              <a:schemeClr val="accent1">
+                <a:shade val="50000"/>
+              </a:schemeClr>
+            </a:lnRef>
+            <a:fillRef idx="1">
+              <a:schemeClr val="accent1"/>
+            </a:fillRef>
+            <a:effectRef idx="0">
+              <a:schemeClr val="accent1"/>
+            </a:effectRef>
+            <a:fontRef idx="minor">
+              <a:schemeClr val="lt1"/>
+            </a:fontRef>
+          </p:style>
+          <p:txBody>
+            <a:bodyPr vert="vert270" rtlCol="0" anchor="ctr"/>
+            <a:lstStyle/>
+            <a:p>
+              <a:pPr algn="ctr"/>
+              <a:r>
+                <a:rPr lang="zh-TW" altLang="en-US" sz="3200" b="1" dirty="0">
+                  <a:solidFill>
+                    <a:schemeClr val="tx1"/>
+                  </a:solidFill>
+                  <a:latin typeface="標楷體" panose="03000509000000000000" pitchFamily="65" charset="-120"/>
+                  <a:ea typeface="標楷體" panose="03000509000000000000" pitchFamily="65" charset="-120"/>
+                </a:rPr>
+                <a:t>緒論</a:t>
+              </a:r>
+            </a:p>
+          </p:txBody>
+        </p:sp>
+        <p:sp>
+          <p:nvSpPr>
+            <p:cNvPr id="5" name="矩形: 圓角 4">
+              <a:extLst>
+                <a:ext uri="{FF2B5EF4-FFF2-40B4-BE49-F238E27FC236}">
+                  <a16:creationId xmlns:a16="http://schemas.microsoft.com/office/drawing/2014/main" id="{CE76AB0E-7DFC-4077-950D-F894FD1DF9BD}"/>
+                </a:ext>
+              </a:extLst>
+            </p:cNvPr>
+            <p:cNvSpPr/>
+            <p:nvPr/>
+          </p:nvSpPr>
+          <p:spPr>
+            <a:xfrm rot="5400000">
+              <a:off x="5052322" y="2928109"/>
+              <a:ext cx="2529508" cy="815009"/>
+            </a:xfrm>
+            <a:prstGeom prst="roundRect">
+              <a:avLst/>
+            </a:prstGeom>
+            <a:noFill/>
+            <a:ln w="57150">
+              <a:solidFill>
+                <a:schemeClr val="tx1"/>
+              </a:solidFill>
+            </a:ln>
+          </p:spPr>
+          <p:style>
+            <a:lnRef idx="2">
+              <a:schemeClr val="accent1">
+                <a:shade val="50000"/>
+              </a:schemeClr>
+            </a:lnRef>
+            <a:fillRef idx="1">
+              <a:schemeClr val="accent1"/>
+            </a:fillRef>
+            <a:effectRef idx="0">
+              <a:schemeClr val="accent1"/>
+            </a:effectRef>
+            <a:fontRef idx="minor">
+              <a:schemeClr val="lt1"/>
+            </a:fontRef>
+          </p:style>
+          <p:txBody>
+            <a:bodyPr vert="vert270" rtlCol="0" anchor="ctr"/>
+            <a:lstStyle/>
+            <a:p>
+              <a:pPr algn="ctr"/>
+              <a:r>
+                <a:rPr lang="zh-TW" altLang="en-US" sz="3200" b="1" dirty="0">
+                  <a:solidFill>
+                    <a:schemeClr val="tx1"/>
+                  </a:solidFill>
+                  <a:latin typeface="標楷體" panose="03000509000000000000" pitchFamily="65" charset="-120"/>
+                  <a:ea typeface="標楷體" panose="03000509000000000000" pitchFamily="65" charset="-120"/>
+                </a:rPr>
+                <a:t>研究方法</a:t>
+              </a:r>
+            </a:p>
+          </p:txBody>
+        </p:sp>
+        <p:sp>
+          <p:nvSpPr>
+            <p:cNvPr id="6" name="矩形: 圓角 5">
+              <a:extLst>
+                <a:ext uri="{FF2B5EF4-FFF2-40B4-BE49-F238E27FC236}">
+                  <a16:creationId xmlns:a16="http://schemas.microsoft.com/office/drawing/2014/main" id="{B342E28A-263E-4676-8032-F38195531DA3}"/>
+                </a:ext>
+              </a:extLst>
+            </p:cNvPr>
+            <p:cNvSpPr/>
+            <p:nvPr/>
+          </p:nvSpPr>
+          <p:spPr>
+            <a:xfrm rot="5400000">
+              <a:off x="3560107" y="2928109"/>
+              <a:ext cx="2529508" cy="815009"/>
+            </a:xfrm>
+            <a:prstGeom prst="roundRect">
+              <a:avLst/>
+            </a:prstGeom>
+            <a:noFill/>
+            <a:ln w="57150">
+              <a:solidFill>
+                <a:schemeClr val="tx1"/>
+              </a:solidFill>
+            </a:ln>
+          </p:spPr>
+          <p:style>
+            <a:lnRef idx="2">
+              <a:schemeClr val="accent1">
+                <a:shade val="50000"/>
+              </a:schemeClr>
+            </a:lnRef>
+            <a:fillRef idx="1">
+              <a:schemeClr val="accent1"/>
+            </a:fillRef>
+            <a:effectRef idx="0">
+              <a:schemeClr val="accent1"/>
+            </a:effectRef>
+            <a:fontRef idx="minor">
+              <a:schemeClr val="lt1"/>
+            </a:fontRef>
+          </p:style>
+          <p:txBody>
+            <a:bodyPr vert="vert270" rtlCol="0" anchor="ctr"/>
+            <a:lstStyle/>
+            <a:p>
+              <a:pPr algn="ctr"/>
+              <a:r>
+                <a:rPr lang="zh-TW" altLang="en-US" sz="3200" b="1" dirty="0">
+                  <a:solidFill>
+                    <a:schemeClr val="tx1"/>
+                  </a:solidFill>
+                  <a:latin typeface="標楷體" panose="03000509000000000000" pitchFamily="65" charset="-120"/>
+                  <a:ea typeface="標楷體" panose="03000509000000000000" pitchFamily="65" charset="-120"/>
+                </a:rPr>
+                <a:t>文獻回顧</a:t>
+              </a:r>
+            </a:p>
+          </p:txBody>
+        </p:sp>
+        <p:sp>
+          <p:nvSpPr>
+            <p:cNvPr id="7" name="矩形: 圓角 6">
+              <a:extLst>
+                <a:ext uri="{FF2B5EF4-FFF2-40B4-BE49-F238E27FC236}">
+                  <a16:creationId xmlns:a16="http://schemas.microsoft.com/office/drawing/2014/main" id="{8CBD4D00-3C53-4B8D-9D35-DE923542B76F}"/>
+                </a:ext>
+              </a:extLst>
+            </p:cNvPr>
+            <p:cNvSpPr/>
+            <p:nvPr/>
+          </p:nvSpPr>
+          <p:spPr>
+            <a:xfrm rot="5400000">
+              <a:off x="6544537" y="2928109"/>
+              <a:ext cx="2529508" cy="815009"/>
+            </a:xfrm>
+            <a:prstGeom prst="roundRect">
+              <a:avLst/>
+            </a:prstGeom>
+            <a:noFill/>
+            <a:ln w="57150">
+              <a:solidFill>
+                <a:schemeClr val="tx1"/>
+              </a:solidFill>
+            </a:ln>
+          </p:spPr>
+          <p:style>
+            <a:lnRef idx="2">
+              <a:schemeClr val="accent1">
+                <a:shade val="50000"/>
+              </a:schemeClr>
+            </a:lnRef>
+            <a:fillRef idx="1">
+              <a:schemeClr val="accent1"/>
+            </a:fillRef>
+            <a:effectRef idx="0">
+              <a:schemeClr val="accent1"/>
+            </a:effectRef>
+            <a:fontRef idx="minor">
+              <a:schemeClr val="lt1"/>
+            </a:fontRef>
+          </p:style>
+          <p:txBody>
+            <a:bodyPr vert="vert270" rtlCol="0" anchor="ctr"/>
+            <a:lstStyle/>
+            <a:p>
+              <a:pPr algn="ctr"/>
+              <a:r>
+                <a:rPr lang="zh-TW" altLang="en-US" sz="3200" b="1" dirty="0">
+                  <a:solidFill>
+                    <a:schemeClr val="tx1"/>
+                  </a:solidFill>
+                  <a:latin typeface="標楷體" panose="03000509000000000000" pitchFamily="65" charset="-120"/>
+                  <a:ea typeface="標楷體" panose="03000509000000000000" pitchFamily="65" charset="-120"/>
+                </a:rPr>
+                <a:t>案例分析</a:t>
+              </a:r>
+            </a:p>
+          </p:txBody>
+        </p:sp>
+        <p:sp>
+          <p:nvSpPr>
+            <p:cNvPr id="8" name="矩形: 圓角 7">
+              <a:extLst>
+                <a:ext uri="{FF2B5EF4-FFF2-40B4-BE49-F238E27FC236}">
+                  <a16:creationId xmlns:a16="http://schemas.microsoft.com/office/drawing/2014/main" id="{E9D19ED0-F4CA-49A7-8956-C2F05138145A}"/>
+                </a:ext>
+              </a:extLst>
+            </p:cNvPr>
+            <p:cNvSpPr/>
+            <p:nvPr/>
+          </p:nvSpPr>
+          <p:spPr>
+            <a:xfrm rot="5400000">
+              <a:off x="8036753" y="2928109"/>
+              <a:ext cx="2529508" cy="815009"/>
+            </a:xfrm>
+            <a:prstGeom prst="roundRect">
+              <a:avLst/>
+            </a:prstGeom>
+            <a:noFill/>
+            <a:ln w="57150">
+              <a:solidFill>
+                <a:schemeClr val="tx1"/>
+              </a:solidFill>
+            </a:ln>
+          </p:spPr>
+          <p:style>
+            <a:lnRef idx="2">
+              <a:schemeClr val="accent1">
+                <a:shade val="50000"/>
+              </a:schemeClr>
+            </a:lnRef>
+            <a:fillRef idx="1">
+              <a:schemeClr val="accent1"/>
+            </a:fillRef>
+            <a:effectRef idx="0">
+              <a:schemeClr val="accent1"/>
+            </a:effectRef>
+            <a:fontRef idx="minor">
+              <a:schemeClr val="lt1"/>
+            </a:fontRef>
+          </p:style>
+          <p:txBody>
+            <a:bodyPr vert="vert270" rtlCol="0" anchor="ctr"/>
+            <a:lstStyle/>
+            <a:p>
+              <a:pPr algn="ctr"/>
+              <a:r>
+                <a:rPr lang="zh-TW" altLang="en-US" sz="3200" b="1" dirty="0">
+                  <a:solidFill>
+                    <a:schemeClr val="tx1"/>
+                  </a:solidFill>
+                  <a:latin typeface="標楷體" panose="03000509000000000000" pitchFamily="65" charset="-120"/>
+                  <a:ea typeface="標楷體" panose="03000509000000000000" pitchFamily="65" charset="-120"/>
+                </a:rPr>
+                <a:t>結論與建議</a:t>
+              </a:r>
+            </a:p>
+          </p:txBody>
+        </p:sp>
+        <p:cxnSp>
+          <p:nvCxnSpPr>
+            <p:cNvPr id="10" name="直線單箭頭接點 9">
+              <a:extLst>
+                <a:ext uri="{FF2B5EF4-FFF2-40B4-BE49-F238E27FC236}">
+                  <a16:creationId xmlns:a16="http://schemas.microsoft.com/office/drawing/2014/main" id="{46129C53-AACA-4AB7-B0BB-1E0CD7AFA18E}"/>
+                </a:ext>
+              </a:extLst>
+            </p:cNvPr>
+            <p:cNvCxnSpPr>
+              <a:cxnSpLocks/>
+            </p:cNvCxnSpPr>
+            <p:nvPr/>
+          </p:nvCxnSpPr>
+          <p:spPr>
+            <a:xfrm>
+              <a:off x="3740151" y="3335613"/>
+              <a:ext cx="677206" cy="0"/>
+            </a:xfrm>
+            <a:prstGeom prst="straightConnector1">
+              <a:avLst/>
+            </a:prstGeom>
+            <a:ln w="57150">
+              <a:solidFill>
+                <a:schemeClr val="tx1"/>
+              </a:solidFill>
+              <a:tailEnd type="triangle"/>
+            </a:ln>
+          </p:spPr>
+          <p:style>
+            <a:lnRef idx="1">
+              <a:schemeClr val="accent1"/>
+            </a:lnRef>
+            <a:fillRef idx="0">
+              <a:schemeClr val="accent1"/>
+            </a:fillRef>
+            <a:effectRef idx="0">
+              <a:schemeClr val="accent1"/>
+            </a:effectRef>
+            <a:fontRef idx="minor">
+              <a:schemeClr val="tx1"/>
+            </a:fontRef>
+          </p:style>
+        </p:cxnSp>
+        <p:cxnSp>
+          <p:nvCxnSpPr>
+            <p:cNvPr id="12" name="直線單箭頭接點 11">
+              <a:extLst>
+                <a:ext uri="{FF2B5EF4-FFF2-40B4-BE49-F238E27FC236}">
+                  <a16:creationId xmlns:a16="http://schemas.microsoft.com/office/drawing/2014/main" id="{B1EB567B-5A51-44F1-8CB3-8E7FDAEBFFC5}"/>
+                </a:ext>
+              </a:extLst>
+            </p:cNvPr>
+            <p:cNvCxnSpPr>
+              <a:cxnSpLocks/>
+            </p:cNvCxnSpPr>
+            <p:nvPr/>
+          </p:nvCxnSpPr>
+          <p:spPr>
+            <a:xfrm>
+              <a:off x="5232366" y="3335613"/>
+              <a:ext cx="677206" cy="0"/>
+            </a:xfrm>
+            <a:prstGeom prst="straightConnector1">
+              <a:avLst/>
+            </a:prstGeom>
+            <a:ln w="57150">
+              <a:solidFill>
+                <a:schemeClr val="tx1"/>
+              </a:solidFill>
+              <a:tailEnd type="triangle"/>
+            </a:ln>
+          </p:spPr>
+          <p:style>
+            <a:lnRef idx="1">
+              <a:schemeClr val="accent1"/>
+            </a:lnRef>
+            <a:fillRef idx="0">
+              <a:schemeClr val="accent1"/>
+            </a:fillRef>
+            <a:effectRef idx="0">
+              <a:schemeClr val="accent1"/>
+            </a:effectRef>
+            <a:fontRef idx="minor">
+              <a:schemeClr val="tx1"/>
+            </a:fontRef>
+          </p:style>
+        </p:cxnSp>
+        <p:cxnSp>
+          <p:nvCxnSpPr>
+            <p:cNvPr id="15" name="直線單箭頭接點 14">
+              <a:extLst>
+                <a:ext uri="{FF2B5EF4-FFF2-40B4-BE49-F238E27FC236}">
+                  <a16:creationId xmlns:a16="http://schemas.microsoft.com/office/drawing/2014/main" id="{0F15574D-7ECE-40C6-AB66-ED048691E560}"/>
+                </a:ext>
+              </a:extLst>
+            </p:cNvPr>
+            <p:cNvCxnSpPr>
+              <a:cxnSpLocks/>
+            </p:cNvCxnSpPr>
+            <p:nvPr/>
+          </p:nvCxnSpPr>
+          <p:spPr>
+            <a:xfrm>
+              <a:off x="6724581" y="3335613"/>
+              <a:ext cx="677206" cy="0"/>
+            </a:xfrm>
+            <a:prstGeom prst="straightConnector1">
+              <a:avLst/>
+            </a:prstGeom>
+            <a:ln w="57150">
+              <a:solidFill>
+                <a:schemeClr val="tx1"/>
+              </a:solidFill>
+              <a:tailEnd type="triangle"/>
+            </a:ln>
+          </p:spPr>
+          <p:style>
+            <a:lnRef idx="1">
+              <a:schemeClr val="accent1"/>
+            </a:lnRef>
+            <a:fillRef idx="0">
+              <a:schemeClr val="accent1"/>
+            </a:fillRef>
+            <a:effectRef idx="0">
+              <a:schemeClr val="accent1"/>
+            </a:effectRef>
+            <a:fontRef idx="minor">
+              <a:schemeClr val="tx1"/>
+            </a:fontRef>
+          </p:style>
+        </p:cxnSp>
+        <p:cxnSp>
+          <p:nvCxnSpPr>
+            <p:cNvPr id="18" name="直線單箭頭接點 17">
+              <a:extLst>
+                <a:ext uri="{FF2B5EF4-FFF2-40B4-BE49-F238E27FC236}">
+                  <a16:creationId xmlns:a16="http://schemas.microsoft.com/office/drawing/2014/main" id="{4D641606-DA9B-4A8E-AD7B-A2C03002C3B1}"/>
+                </a:ext>
+              </a:extLst>
+            </p:cNvPr>
+            <p:cNvCxnSpPr>
+              <a:cxnSpLocks/>
+            </p:cNvCxnSpPr>
+            <p:nvPr/>
+          </p:nvCxnSpPr>
+          <p:spPr>
+            <a:xfrm>
+              <a:off x="8216796" y="3335613"/>
+              <a:ext cx="677207" cy="0"/>
+            </a:xfrm>
+            <a:prstGeom prst="straightConnector1">
+              <a:avLst/>
+            </a:prstGeom>
+            <a:ln w="57150">
+              <a:solidFill>
+                <a:schemeClr val="tx1"/>
+              </a:solidFill>
+              <a:tailEnd type="triangle"/>
+            </a:ln>
+          </p:spPr>
+          <p:style>
+            <a:lnRef idx="1">
+              <a:schemeClr val="accent1"/>
+            </a:lnRef>
+            <a:fillRef idx="0">
+              <a:schemeClr val="accent1"/>
+            </a:fillRef>
+            <a:effectRef idx="0">
+              <a:schemeClr val="accent1"/>
+            </a:effectRef>
+            <a:fontRef idx="minor">
+              <a:schemeClr val="tx1"/>
+            </a:fontRef>
+          </p:style>
+        </p:cxnSp>
+      </p:grpSp>
+    </p:spTree>
+    <p:extLst>
+      <p:ext uri="{BB962C8B-B14F-4D97-AF65-F5344CB8AC3E}">
+        <p14:creationId xmlns:p14="http://schemas.microsoft.com/office/powerpoint/2010/main" val="3933546420"/>
       </p:ext>
     </p:extLst>
   </p:cSld>

--- a/ppt/2022-10 meeting.pptx
+++ b/ppt/2022-10 meeting.pptx
@@ -5,7 +5,7 @@
     <p:sldMasterId id="2147483648" r:id="rId1"/>
   </p:sldMasterIdLst>
   <p:notesMasterIdLst>
-    <p:notesMasterId r:id="rId17"/>
+    <p:notesMasterId r:id="rId26"/>
   </p:notesMasterIdLst>
   <p:sldIdLst>
     <p:sldId id="410" r:id="rId2"/>
@@ -23,6 +23,15 @@
     <p:sldId id="424" r:id="rId14"/>
     <p:sldId id="425" r:id="rId15"/>
     <p:sldId id="426" r:id="rId16"/>
+    <p:sldId id="427" r:id="rId17"/>
+    <p:sldId id="430" r:id="rId18"/>
+    <p:sldId id="431" r:id="rId19"/>
+    <p:sldId id="428" r:id="rId20"/>
+    <p:sldId id="429" r:id="rId21"/>
+    <p:sldId id="434" r:id="rId22"/>
+    <p:sldId id="435" r:id="rId23"/>
+    <p:sldId id="432" r:id="rId24"/>
+    <p:sldId id="433" r:id="rId25"/>
   </p:sldIdLst>
   <p:sldSz cx="12192000" cy="6858000"/>
   <p:notesSz cx="6858000" cy="9144000"/>
@@ -147,6 +156,19 @@
             <p14:sldId id="426"/>
           </p14:sldIdLst>
         </p14:section>
+        <p14:section name="10-19" id="{FAEF7946-EC23-4083-B4C5-727319064A7D}">
+          <p14:sldIdLst>
+            <p14:sldId id="427"/>
+            <p14:sldId id="430"/>
+            <p14:sldId id="431"/>
+            <p14:sldId id="428"/>
+            <p14:sldId id="429"/>
+            <p14:sldId id="434"/>
+            <p14:sldId id="435"/>
+            <p14:sldId id="432"/>
+            <p14:sldId id="433"/>
+          </p14:sldIdLst>
+        </p14:section>
       </p14:sectionLst>
     </p:ext>
     <p:ext uri="{EFAFB233-063F-42B5-8137-9DF3F51BA10A}">
@@ -238,7 +260,7 @@
           <a:p>
             <a:fld id="{3F908B55-4B1A-4E0A-A383-4812071FEBF5}" type="datetimeFigureOut">
               <a:rPr lang="zh-TW" altLang="en-US" smtClean="0"/>
-              <a:t>2022/10/14</a:t>
+              <a:t>2022/10/19</a:t>
             </a:fld>
             <a:endParaRPr lang="zh-TW" altLang="en-US"/>
           </a:p>
@@ -900,6 +922,174 @@
 </p:notes>
 </file>
 
+<file path=ppt/notesSlides/notesSlide5.xml><?xml version="1.0" encoding="utf-8"?>
+<p:notes xmlns:a="http://schemas.openxmlformats.org/drawingml/2006/main" xmlns:r="http://schemas.openxmlformats.org/officeDocument/2006/relationships" xmlns:p="http://schemas.openxmlformats.org/presentationml/2006/main">
+  <p:cSld>
+    <p:spTree>
+      <p:nvGrpSpPr>
+        <p:cNvPr id="1" name=""/>
+        <p:cNvGrpSpPr/>
+        <p:nvPr/>
+      </p:nvGrpSpPr>
+      <p:grpSpPr>
+        <a:xfrm>
+          <a:off x="0" y="0"/>
+          <a:ext cx="0" cy="0"/>
+          <a:chOff x="0" y="0"/>
+          <a:chExt cx="0" cy="0"/>
+        </a:xfrm>
+      </p:grpSpPr>
+      <p:sp>
+        <p:nvSpPr>
+          <p:cNvPr id="2" name="投影片影像版面配置區 1"/>
+          <p:cNvSpPr>
+            <a:spLocks noGrp="1" noRot="1" noChangeAspect="1"/>
+          </p:cNvSpPr>
+          <p:nvPr>
+            <p:ph type="sldImg"/>
+          </p:nvPr>
+        </p:nvSpPr>
+        <p:spPr/>
+      </p:sp>
+      <p:sp>
+        <p:nvSpPr>
+          <p:cNvPr id="3" name="備忘稿版面配置區 2"/>
+          <p:cNvSpPr>
+            <a:spLocks noGrp="1"/>
+          </p:cNvSpPr>
+          <p:nvPr>
+            <p:ph type="body" idx="1"/>
+          </p:nvPr>
+        </p:nvSpPr>
+        <p:spPr/>
+        <p:txBody>
+          <a:bodyPr/>
+          <a:lstStyle/>
+          <a:p>
+            <a:endParaRPr lang="zh-TW" altLang="en-US" dirty="0"/>
+          </a:p>
+        </p:txBody>
+      </p:sp>
+      <p:sp>
+        <p:nvSpPr>
+          <p:cNvPr id="4" name="投影片編號版面配置區 3"/>
+          <p:cNvSpPr>
+            <a:spLocks noGrp="1"/>
+          </p:cNvSpPr>
+          <p:nvPr>
+            <p:ph type="sldNum" sz="quarter" idx="5"/>
+          </p:nvPr>
+        </p:nvSpPr>
+        <p:spPr/>
+        <p:txBody>
+          <a:bodyPr/>
+          <a:lstStyle/>
+          <a:p>
+            <a:fld id="{6872B3E9-0D97-4CE8-B0DF-442F44951F64}" type="slidenum">
+              <a:rPr lang="zh-TW" altLang="en-US" smtClean="0"/>
+              <a:t>16</a:t>
+            </a:fld>
+            <a:endParaRPr lang="zh-TW" altLang="en-US"/>
+          </a:p>
+        </p:txBody>
+      </p:sp>
+    </p:spTree>
+    <p:extLst>
+      <p:ext uri="{BB962C8B-B14F-4D97-AF65-F5344CB8AC3E}">
+        <p14:creationId xmlns:p14="http://schemas.microsoft.com/office/powerpoint/2010/main" val="896772544"/>
+      </p:ext>
+    </p:extLst>
+  </p:cSld>
+  <p:clrMapOvr>
+    <a:masterClrMapping/>
+  </p:clrMapOvr>
+</p:notes>
+</file>
+
+<file path=ppt/notesSlides/notesSlide6.xml><?xml version="1.0" encoding="utf-8"?>
+<p:notes xmlns:a="http://schemas.openxmlformats.org/drawingml/2006/main" xmlns:r="http://schemas.openxmlformats.org/officeDocument/2006/relationships" xmlns:p="http://schemas.openxmlformats.org/presentationml/2006/main">
+  <p:cSld>
+    <p:spTree>
+      <p:nvGrpSpPr>
+        <p:cNvPr id="1" name=""/>
+        <p:cNvGrpSpPr/>
+        <p:nvPr/>
+      </p:nvGrpSpPr>
+      <p:grpSpPr>
+        <a:xfrm>
+          <a:off x="0" y="0"/>
+          <a:ext cx="0" cy="0"/>
+          <a:chOff x="0" y="0"/>
+          <a:chExt cx="0" cy="0"/>
+        </a:xfrm>
+      </p:grpSpPr>
+      <p:sp>
+        <p:nvSpPr>
+          <p:cNvPr id="2" name="投影片圖像版面配置區 1"/>
+          <p:cNvSpPr>
+            <a:spLocks noGrp="1" noRot="1" noChangeAspect="1"/>
+          </p:cNvSpPr>
+          <p:nvPr>
+            <p:ph type="sldImg"/>
+          </p:nvPr>
+        </p:nvSpPr>
+        <p:spPr/>
+      </p:sp>
+      <p:sp>
+        <p:nvSpPr>
+          <p:cNvPr id="3" name="備忘稿版面配置區 2"/>
+          <p:cNvSpPr>
+            <a:spLocks noGrp="1"/>
+          </p:cNvSpPr>
+          <p:nvPr>
+            <p:ph type="body" idx="1"/>
+          </p:nvPr>
+        </p:nvSpPr>
+        <p:spPr/>
+        <p:txBody>
+          <a:bodyPr/>
+          <a:lstStyle/>
+          <a:p>
+            <a:endParaRPr lang="en-US" dirty="0"/>
+          </a:p>
+        </p:txBody>
+      </p:sp>
+      <p:sp>
+        <p:nvSpPr>
+          <p:cNvPr id="4" name="投影片編號版面配置區 3"/>
+          <p:cNvSpPr>
+            <a:spLocks noGrp="1"/>
+          </p:cNvSpPr>
+          <p:nvPr>
+            <p:ph type="sldNum" sz="quarter" idx="10"/>
+          </p:nvPr>
+        </p:nvSpPr>
+        <p:spPr/>
+        <p:txBody>
+          <a:bodyPr/>
+          <a:lstStyle/>
+          <a:p>
+            <a:fld id="{6872B3E9-0D97-4CE8-B0DF-442F44951F64}" type="slidenum">
+              <a:rPr lang="zh-TW" altLang="en-US" smtClean="0"/>
+              <a:t>21</a:t>
+            </a:fld>
+            <a:endParaRPr lang="zh-TW" altLang="en-US"/>
+          </a:p>
+        </p:txBody>
+      </p:sp>
+    </p:spTree>
+    <p:extLst>
+      <p:ext uri="{BB962C8B-B14F-4D97-AF65-F5344CB8AC3E}">
+        <p14:creationId xmlns:p14="http://schemas.microsoft.com/office/powerpoint/2010/main" val="346367408"/>
+      </p:ext>
+    </p:extLst>
+  </p:cSld>
+  <p:clrMapOvr>
+    <a:masterClrMapping/>
+  </p:clrMapOvr>
+</p:notes>
+</file>
+
 <file path=ppt/slideLayouts/slideLayout1.xml><?xml version="1.0" encoding="utf-8"?>
 <p:sldLayout xmlns:a="http://schemas.openxmlformats.org/drawingml/2006/main" xmlns:r="http://schemas.openxmlformats.org/officeDocument/2006/relationships" xmlns:p="http://schemas.openxmlformats.org/presentationml/2006/main" type="title" preserve="1">
   <p:cSld name="標題投影片">
@@ -1049,7 +1239,7 @@
           <a:p>
             <a:fld id="{432CB213-D9FA-458B-89FB-3EF41A0384E7}" type="datetimeFigureOut">
               <a:rPr lang="en-US" smtClean="0"/>
-              <a:t>10/14/2022</a:t>
+              <a:t>10/19/2022</a:t>
             </a:fld>
             <a:endParaRPr lang="en-US"/>
           </a:p>
@@ -1249,7 +1439,7 @@
           <a:p>
             <a:fld id="{432CB213-D9FA-458B-89FB-3EF41A0384E7}" type="datetimeFigureOut">
               <a:rPr lang="en-US" smtClean="0"/>
-              <a:t>10/14/2022</a:t>
+              <a:t>10/19/2022</a:t>
             </a:fld>
             <a:endParaRPr lang="en-US"/>
           </a:p>
@@ -1459,7 +1649,7 @@
           <a:p>
             <a:fld id="{432CB213-D9FA-458B-89FB-3EF41A0384E7}" type="datetimeFigureOut">
               <a:rPr lang="en-US" smtClean="0"/>
-              <a:t>10/14/2022</a:t>
+              <a:t>10/19/2022</a:t>
             </a:fld>
             <a:endParaRPr lang="en-US"/>
           </a:p>
@@ -1659,7 +1849,7 @@
           <a:p>
             <a:fld id="{432CB213-D9FA-458B-89FB-3EF41A0384E7}" type="datetimeFigureOut">
               <a:rPr lang="en-US" smtClean="0"/>
-              <a:t>10/14/2022</a:t>
+              <a:t>10/19/2022</a:t>
             </a:fld>
             <a:endParaRPr lang="en-US"/>
           </a:p>
@@ -1935,7 +2125,7 @@
           <a:p>
             <a:fld id="{432CB213-D9FA-458B-89FB-3EF41A0384E7}" type="datetimeFigureOut">
               <a:rPr lang="en-US" smtClean="0"/>
-              <a:t>10/14/2022</a:t>
+              <a:t>10/19/2022</a:t>
             </a:fld>
             <a:endParaRPr lang="en-US"/>
           </a:p>
@@ -2203,7 +2393,7 @@
           <a:p>
             <a:fld id="{432CB213-D9FA-458B-89FB-3EF41A0384E7}" type="datetimeFigureOut">
               <a:rPr lang="en-US" smtClean="0"/>
-              <a:t>10/14/2022</a:t>
+              <a:t>10/19/2022</a:t>
             </a:fld>
             <a:endParaRPr lang="en-US"/>
           </a:p>
@@ -2618,7 +2808,7 @@
           <a:p>
             <a:fld id="{432CB213-D9FA-458B-89FB-3EF41A0384E7}" type="datetimeFigureOut">
               <a:rPr lang="en-US" smtClean="0"/>
-              <a:t>10/14/2022</a:t>
+              <a:t>10/19/2022</a:t>
             </a:fld>
             <a:endParaRPr lang="en-US"/>
           </a:p>
@@ -2760,7 +2950,7 @@
           <a:p>
             <a:fld id="{432CB213-D9FA-458B-89FB-3EF41A0384E7}" type="datetimeFigureOut">
               <a:rPr lang="en-US" smtClean="0"/>
-              <a:t>10/14/2022</a:t>
+              <a:t>10/19/2022</a:t>
             </a:fld>
             <a:endParaRPr lang="en-US"/>
           </a:p>
@@ -2873,7 +3063,7 @@
           <a:p>
             <a:fld id="{432CB213-D9FA-458B-89FB-3EF41A0384E7}" type="datetimeFigureOut">
               <a:rPr lang="en-US" smtClean="0"/>
-              <a:t>10/14/2022</a:t>
+              <a:t>10/19/2022</a:t>
             </a:fld>
             <a:endParaRPr lang="en-US"/>
           </a:p>
@@ -3186,7 +3376,7 @@
           <a:p>
             <a:fld id="{432CB213-D9FA-458B-89FB-3EF41A0384E7}" type="datetimeFigureOut">
               <a:rPr lang="en-US" smtClean="0"/>
-              <a:t>10/14/2022</a:t>
+              <a:t>10/19/2022</a:t>
             </a:fld>
             <a:endParaRPr lang="en-US"/>
           </a:p>
@@ -3475,7 +3665,7 @@
           <a:p>
             <a:fld id="{432CB213-D9FA-458B-89FB-3EF41A0384E7}" type="datetimeFigureOut">
               <a:rPr lang="en-US" smtClean="0"/>
-              <a:t>10/14/2022</a:t>
+              <a:t>10/19/2022</a:t>
             </a:fld>
             <a:endParaRPr lang="en-US"/>
           </a:p>
@@ -3718,7 +3908,7 @@
           <a:p>
             <a:fld id="{432CB213-D9FA-458B-89FB-3EF41A0384E7}" type="datetimeFigureOut">
               <a:rPr lang="en-US" smtClean="0"/>
-              <a:t>10/14/2022</a:t>
+              <a:t>10/19/2022</a:t>
             </a:fld>
             <a:endParaRPr lang="en-US"/>
           </a:p>
@@ -5398,6 +5588,920 @@
 </p:sld>
 </file>
 
+<file path=ppt/slides/slide16.xml><?xml version="1.0" encoding="utf-8"?>
+<p:sld xmlns:a="http://schemas.openxmlformats.org/drawingml/2006/main" xmlns:r="http://schemas.openxmlformats.org/officeDocument/2006/relationships" xmlns:p="http://schemas.openxmlformats.org/presentationml/2006/main">
+  <p:cSld>
+    <p:spTree>
+      <p:nvGrpSpPr>
+        <p:cNvPr id="1" name=""/>
+        <p:cNvGrpSpPr/>
+        <p:nvPr/>
+      </p:nvGrpSpPr>
+      <p:grpSpPr>
+        <a:xfrm>
+          <a:off x="0" y="0"/>
+          <a:ext cx="0" cy="0"/>
+          <a:chOff x="0" y="0"/>
+          <a:chExt cx="0" cy="0"/>
+        </a:xfrm>
+      </p:grpSpPr>
+      <p:sp>
+        <p:nvSpPr>
+          <p:cNvPr id="3" name="內容版面配置區 2">
+            <a:extLst>
+              <a:ext uri="{FF2B5EF4-FFF2-40B4-BE49-F238E27FC236}">
+                <a16:creationId xmlns:a16="http://schemas.microsoft.com/office/drawing/2014/main" id="{EEFE1560-1652-41C1-90ED-5AD7B820A971}"/>
+              </a:ext>
+            </a:extLst>
+          </p:cNvPr>
+          <p:cNvSpPr>
+            <a:spLocks noGrp="1"/>
+          </p:cNvSpPr>
+          <p:nvPr>
+            <p:ph idx="1"/>
+          </p:nvPr>
+        </p:nvSpPr>
+        <p:spPr>
+          <a:xfrm>
+            <a:off x="384976" y="1817673"/>
+            <a:ext cx="11136464" cy="4486411"/>
+          </a:xfrm>
+        </p:spPr>
+        <p:txBody>
+          <a:bodyPr>
+            <a:normAutofit/>
+          </a:bodyPr>
+          <a:lstStyle/>
+          <a:p>
+            <a:pPr lvl="1">
+              <a:lnSpc>
+                <a:spcPct val="150000"/>
+              </a:lnSpc>
+            </a:pPr>
+            <a:r>
+              <a:rPr lang="en-US" altLang="zh-TW" dirty="0" smtClean="0"/>
+              <a:t>Testing </a:t>
+            </a:r>
+            <a:r>
+              <a:rPr lang="en-US" altLang="zh-TW" dirty="0"/>
+              <a:t>with </a:t>
+            </a:r>
+            <a:r>
+              <a:rPr lang="en-US" altLang="zh-TW" dirty="0" smtClean="0"/>
+              <a:t>AUO </a:t>
+            </a:r>
+            <a:r>
+              <a:rPr lang="en-US" altLang="zh-TW" dirty="0"/>
+              <a:t>datasets on </a:t>
+            </a:r>
+            <a:r>
+              <a:rPr lang="en-US" altLang="zh-TW" dirty="0" smtClean="0"/>
+              <a:t>2, </a:t>
+            </a:r>
+            <a:r>
+              <a:rPr lang="en-US" altLang="zh-TW" dirty="0"/>
+              <a:t>and </a:t>
+            </a:r>
+            <a:r>
+              <a:rPr lang="en-US" altLang="zh-TW" dirty="0"/>
+              <a:t>3</a:t>
+            </a:r>
+            <a:r>
+              <a:rPr lang="en-US" altLang="zh-TW" dirty="0" smtClean="0"/>
+              <a:t>-folds</a:t>
+            </a:r>
+            <a:endParaRPr lang="en-US" altLang="zh-TW" dirty="0"/>
+          </a:p>
+          <a:p>
+            <a:pPr lvl="2">
+              <a:lnSpc>
+                <a:spcPct val="150000"/>
+              </a:lnSpc>
+            </a:pPr>
+            <a:r>
+              <a:rPr lang="en-US" altLang="zh-TW" dirty="0" smtClean="0"/>
+              <a:t>Original</a:t>
+            </a:r>
+            <a:endParaRPr lang="en-US" altLang="zh-TW" dirty="0"/>
+          </a:p>
+          <a:p>
+            <a:pPr lvl="2">
+              <a:lnSpc>
+                <a:spcPct val="150000"/>
+              </a:lnSpc>
+            </a:pPr>
+            <a:r>
+              <a:rPr lang="en-US" altLang="zh-TW" dirty="0" smtClean="0"/>
+              <a:t>Backward one hot encoded</a:t>
+            </a:r>
+            <a:endParaRPr lang="en-US" altLang="zh-TW" dirty="0"/>
+          </a:p>
+          <a:p>
+            <a:pPr lvl="1">
+              <a:lnSpc>
+                <a:spcPct val="150000"/>
+              </a:lnSpc>
+              <a:buFont typeface="Wingdings" panose="05000000000000000000" pitchFamily="2" charset="2"/>
+              <a:buChar char="è"/>
+            </a:pPr>
+            <a:r>
+              <a:rPr lang="en-US" altLang="zh-TW" dirty="0"/>
+              <a:t>Grouping with columns </a:t>
+            </a:r>
+            <a:r>
+              <a:rPr lang="en-US" altLang="zh-TW" dirty="0" smtClean="0"/>
+              <a:t>sequence</a:t>
+            </a:r>
+          </a:p>
+          <a:p>
+            <a:pPr lvl="1">
+              <a:lnSpc>
+                <a:spcPct val="150000"/>
+              </a:lnSpc>
+              <a:buFont typeface="Wingdings" panose="05000000000000000000" pitchFamily="2" charset="2"/>
+              <a:buChar char="è"/>
+            </a:pPr>
+            <a:r>
+              <a:rPr lang="en-US" altLang="zh-TW" dirty="0" smtClean="0"/>
+              <a:t>Testing with other imbalance datasets</a:t>
+            </a:r>
+            <a:endParaRPr lang="en-US" altLang="zh-TW" dirty="0" smtClean="0"/>
+          </a:p>
+          <a:p>
+            <a:pPr lvl="1">
+              <a:lnSpc>
+                <a:spcPct val="150000"/>
+              </a:lnSpc>
+              <a:buFont typeface="Wingdings" panose="05000000000000000000" pitchFamily="2" charset="2"/>
+              <a:buChar char="è"/>
+            </a:pPr>
+            <a:endParaRPr lang="en-US" altLang="zh-TW" dirty="0"/>
+          </a:p>
+        </p:txBody>
+      </p:sp>
+      <p:sp>
+        <p:nvSpPr>
+          <p:cNvPr id="7" name="標題 1">
+            <a:extLst>
+              <a:ext uri="{FF2B5EF4-FFF2-40B4-BE49-F238E27FC236}">
+                <a16:creationId xmlns:a16="http://schemas.microsoft.com/office/drawing/2014/main" id="{D1556530-1D0B-44B2-9C1C-93664F38FDA7}"/>
+              </a:ext>
+            </a:extLst>
+          </p:cNvPr>
+          <p:cNvSpPr>
+            <a:spLocks noGrp="1"/>
+          </p:cNvSpPr>
+          <p:nvPr>
+            <p:ph type="title"/>
+          </p:nvPr>
+        </p:nvSpPr>
+        <p:spPr>
+          <a:xfrm>
+            <a:off x="838200" y="365125"/>
+            <a:ext cx="10515600" cy="1325563"/>
+          </a:xfrm>
+        </p:spPr>
+        <p:txBody>
+          <a:bodyPr/>
+          <a:lstStyle/>
+          <a:p>
+            <a:r>
+              <a:rPr lang="en-US" dirty="0"/>
+              <a:t>Weekly Progress</a:t>
+            </a:r>
+          </a:p>
+        </p:txBody>
+      </p:sp>
+    </p:spTree>
+    <p:extLst>
+      <p:ext uri="{BB962C8B-B14F-4D97-AF65-F5344CB8AC3E}">
+        <p14:creationId xmlns:p14="http://schemas.microsoft.com/office/powerpoint/2010/main" val="2011487754"/>
+      </p:ext>
+    </p:extLst>
+  </p:cSld>
+  <p:clrMapOvr>
+    <a:masterClrMapping/>
+  </p:clrMapOvr>
+</p:sld>
+</file>
+
+<file path=ppt/slides/slide17.xml><?xml version="1.0" encoding="utf-8"?>
+<p:sld xmlns:a="http://schemas.openxmlformats.org/drawingml/2006/main" xmlns:r="http://schemas.openxmlformats.org/officeDocument/2006/relationships" xmlns:p="http://schemas.openxmlformats.org/presentationml/2006/main">
+  <p:cSld>
+    <p:spTree>
+      <p:nvGrpSpPr>
+        <p:cNvPr id="1" name=""/>
+        <p:cNvGrpSpPr/>
+        <p:nvPr/>
+      </p:nvGrpSpPr>
+      <p:grpSpPr>
+        <a:xfrm>
+          <a:off x="0" y="0"/>
+          <a:ext cx="0" cy="0"/>
+          <a:chOff x="0" y="0"/>
+          <a:chExt cx="0" cy="0"/>
+        </a:xfrm>
+      </p:grpSpPr>
+      <p:graphicFrame>
+        <p:nvGraphicFramePr>
+          <p:cNvPr id="5" name="內容版面配置區 4"/>
+          <p:cNvGraphicFramePr>
+            <a:graphicFrameLocks noGrp="1"/>
+          </p:cNvGraphicFramePr>
+          <p:nvPr>
+            <p:ph idx="1"/>
+            <p:extLst>
+              <p:ext uri="{D42A27DB-BD31-4B8C-83A1-F6EECF244321}">
+                <p14:modId xmlns:p14="http://schemas.microsoft.com/office/powerpoint/2010/main" val="2682946343"/>
+              </p:ext>
+            </p:extLst>
+          </p:nvPr>
+        </p:nvGraphicFramePr>
+        <p:xfrm>
+          <a:off x="678524" y="274320"/>
+          <a:ext cx="10800000" cy="372745"/>
+        </p:xfrm>
+        <a:graphic>
+          <a:graphicData uri="http://schemas.openxmlformats.org/drawingml/2006/table">
+            <a:tbl>
+              <a:tblPr firstRow="1" bandRow="1">
+                <a:tableStyleId>{5C22544A-7EE6-4342-B048-85BDC9FD1C3A}</a:tableStyleId>
+              </a:tblPr>
+              <a:tblGrid>
+                <a:gridCol w="3600000">
+                  <a:extLst>
+                    <a:ext uri="{9D8B030D-6E8A-4147-A177-3AD203B41FA5}">
+                      <a16:colId xmlns:a16="http://schemas.microsoft.com/office/drawing/2014/main" val="2249819784"/>
+                    </a:ext>
+                  </a:extLst>
+                </a:gridCol>
+                <a:gridCol w="3600000">
+                  <a:extLst>
+                    <a:ext uri="{9D8B030D-6E8A-4147-A177-3AD203B41FA5}">
+                      <a16:colId xmlns:a16="http://schemas.microsoft.com/office/drawing/2014/main" val="2459517837"/>
+                    </a:ext>
+                  </a:extLst>
+                </a:gridCol>
+                <a:gridCol w="3600000">
+                  <a:extLst>
+                    <a:ext uri="{9D8B030D-6E8A-4147-A177-3AD203B41FA5}">
+                      <a16:colId xmlns:a16="http://schemas.microsoft.com/office/drawing/2014/main" val="3501980905"/>
+                    </a:ext>
+                  </a:extLst>
+                </a:gridCol>
+              </a:tblGrid>
+              <a:tr h="372745">
+                <a:tc>
+                  <a:txBody>
+                    <a:bodyPr/>
+                    <a:lstStyle/>
+                    <a:p>
+                      <a:pPr algn="ctr"/>
+                      <a:r>
+                        <a:rPr lang="en-US" dirty="0" smtClean="0"/>
+                        <a:t>Original</a:t>
+                      </a:r>
+                      <a:endParaRPr lang="en-US" dirty="0"/>
+                    </a:p>
+                  </a:txBody>
+                  <a:tcPr anchor="ctr"/>
+                </a:tc>
+                <a:tc>
+                  <a:txBody>
+                    <a:bodyPr/>
+                    <a:lstStyle/>
+                    <a:p>
+                      <a:pPr algn="ctr"/>
+                      <a:r>
+                        <a:rPr lang="en-US" dirty="0" smtClean="0"/>
+                        <a:t>Machine</a:t>
+                      </a:r>
+                      <a:endParaRPr lang="en-US" dirty="0"/>
+                    </a:p>
+                  </a:txBody>
+                  <a:tcPr anchor="ctr">
+                    <a:solidFill>
+                      <a:schemeClr val="accent2"/>
+                    </a:solidFill>
+                  </a:tcPr>
+                </a:tc>
+                <a:tc>
+                  <a:txBody>
+                    <a:bodyPr/>
+                    <a:lstStyle/>
+                    <a:p>
+                      <a:pPr algn="ctr"/>
+                      <a:r>
+                        <a:rPr lang="en-US" dirty="0" smtClean="0"/>
+                        <a:t>2-folds</a:t>
+                      </a:r>
+                      <a:endParaRPr lang="en-US" dirty="0"/>
+                    </a:p>
+                  </a:txBody>
+                  <a:tcPr anchor="ctr">
+                    <a:solidFill>
+                      <a:schemeClr val="bg1">
+                        <a:lumMod val="75000"/>
+                      </a:schemeClr>
+                    </a:solidFill>
+                  </a:tcPr>
+                </a:tc>
+                <a:extLst>
+                  <a:ext uri="{0D108BD9-81ED-4DB2-BD59-A6C34878D82A}">
+                    <a16:rowId xmlns:a16="http://schemas.microsoft.com/office/drawing/2014/main" val="2428224279"/>
+                  </a:ext>
+                </a:extLst>
+              </a:tr>
+            </a:tbl>
+          </a:graphicData>
+        </a:graphic>
+      </p:graphicFrame>
+      <p:pic>
+        <p:nvPicPr>
+          <p:cNvPr id="4" name="圖片 3"/>
+          <p:cNvPicPr>
+            <a:picLocks noChangeAspect="1"/>
+          </p:cNvPicPr>
+          <p:nvPr/>
+        </p:nvPicPr>
+        <p:blipFill>
+          <a:blip r:embed="rId2"/>
+          <a:stretch>
+            <a:fillRect/>
+          </a:stretch>
+        </p:blipFill>
+        <p:spPr>
+          <a:xfrm>
+            <a:off x="684000" y="774000"/>
+            <a:ext cx="10800000" cy="5770213"/>
+          </a:xfrm>
+          <a:prstGeom prst="rect">
+            <a:avLst/>
+          </a:prstGeom>
+        </p:spPr>
+      </p:pic>
+      <p:sp>
+        <p:nvSpPr>
+          <p:cNvPr id="6" name="矩形 5"/>
+          <p:cNvSpPr/>
+          <p:nvPr/>
+        </p:nvSpPr>
+        <p:spPr>
+          <a:xfrm>
+            <a:off x="5088467" y="774000"/>
+            <a:ext cx="2379133" cy="343600"/>
+          </a:xfrm>
+          <a:prstGeom prst="rect">
+            <a:avLst/>
+          </a:prstGeom>
+          <a:solidFill>
+            <a:schemeClr val="bg1"/>
+          </a:solidFill>
+          <a:ln>
+            <a:solidFill>
+              <a:schemeClr val="bg1"/>
+            </a:solidFill>
+          </a:ln>
+        </p:spPr>
+        <p:style>
+          <a:lnRef idx="2">
+            <a:schemeClr val="accent1">
+              <a:shade val="50000"/>
+            </a:schemeClr>
+          </a:lnRef>
+          <a:fillRef idx="1">
+            <a:schemeClr val="accent1"/>
+          </a:fillRef>
+          <a:effectRef idx="0">
+            <a:schemeClr val="accent1"/>
+          </a:effectRef>
+          <a:fontRef idx="minor">
+            <a:schemeClr val="lt1"/>
+          </a:fontRef>
+        </p:style>
+        <p:txBody>
+          <a:bodyPr rtlCol="0" anchor="ctr"/>
+          <a:lstStyle/>
+          <a:p>
+            <a:pPr algn="ctr"/>
+            <a:endParaRPr lang="en-US"/>
+          </a:p>
+        </p:txBody>
+      </p:sp>
+    </p:spTree>
+    <p:extLst>
+      <p:ext uri="{BB962C8B-B14F-4D97-AF65-F5344CB8AC3E}">
+        <p14:creationId xmlns:p14="http://schemas.microsoft.com/office/powerpoint/2010/main" val="1410316465"/>
+      </p:ext>
+    </p:extLst>
+  </p:cSld>
+  <p:clrMapOvr>
+    <a:masterClrMapping/>
+  </p:clrMapOvr>
+</p:sld>
+</file>
+
+<file path=ppt/slides/slide18.xml><?xml version="1.0" encoding="utf-8"?>
+<p:sld xmlns:a="http://schemas.openxmlformats.org/drawingml/2006/main" xmlns:r="http://schemas.openxmlformats.org/officeDocument/2006/relationships" xmlns:p="http://schemas.openxmlformats.org/presentationml/2006/main">
+  <p:cSld>
+    <p:spTree>
+      <p:nvGrpSpPr>
+        <p:cNvPr id="1" name=""/>
+        <p:cNvGrpSpPr/>
+        <p:nvPr/>
+      </p:nvGrpSpPr>
+      <p:grpSpPr>
+        <a:xfrm>
+          <a:off x="0" y="0"/>
+          <a:ext cx="0" cy="0"/>
+          <a:chOff x="0" y="0"/>
+          <a:chExt cx="0" cy="0"/>
+        </a:xfrm>
+      </p:grpSpPr>
+      <p:sp>
+        <p:nvSpPr>
+          <p:cNvPr id="3" name="內容版面配置區 2"/>
+          <p:cNvSpPr>
+            <a:spLocks noGrp="1"/>
+          </p:cNvSpPr>
+          <p:nvPr>
+            <p:ph idx="1"/>
+          </p:nvPr>
+        </p:nvSpPr>
+        <p:spPr/>
+        <p:txBody>
+          <a:bodyPr/>
+          <a:lstStyle/>
+          <a:p>
+            <a:endParaRPr lang="en-US"/>
+          </a:p>
+        </p:txBody>
+      </p:sp>
+      <p:pic>
+        <p:nvPicPr>
+          <p:cNvPr id="4" name="圖片 3"/>
+          <p:cNvPicPr>
+            <a:picLocks noChangeAspect="1"/>
+          </p:cNvPicPr>
+          <p:nvPr/>
+        </p:nvPicPr>
+        <p:blipFill>
+          <a:blip r:embed="rId2"/>
+          <a:stretch>
+            <a:fillRect/>
+          </a:stretch>
+        </p:blipFill>
+        <p:spPr>
+          <a:xfrm>
+            <a:off x="684000" y="774000"/>
+            <a:ext cx="10800000" cy="5775264"/>
+          </a:xfrm>
+          <a:prstGeom prst="rect">
+            <a:avLst/>
+          </a:prstGeom>
+        </p:spPr>
+      </p:pic>
+      <p:graphicFrame>
+        <p:nvGraphicFramePr>
+          <p:cNvPr id="5" name="內容版面配置區 4"/>
+          <p:cNvGraphicFramePr>
+            <a:graphicFrameLocks/>
+          </p:cNvGraphicFramePr>
+          <p:nvPr>
+            <p:extLst>
+              <p:ext uri="{D42A27DB-BD31-4B8C-83A1-F6EECF244321}">
+                <p14:modId xmlns:p14="http://schemas.microsoft.com/office/powerpoint/2010/main" val="725248968"/>
+              </p:ext>
+            </p:extLst>
+          </p:nvPr>
+        </p:nvGraphicFramePr>
+        <p:xfrm>
+          <a:off x="678524" y="274320"/>
+          <a:ext cx="10800000" cy="372745"/>
+        </p:xfrm>
+        <a:graphic>
+          <a:graphicData uri="http://schemas.openxmlformats.org/drawingml/2006/table">
+            <a:tbl>
+              <a:tblPr firstRow="1" bandRow="1">
+                <a:tableStyleId>{5C22544A-7EE6-4342-B048-85BDC9FD1C3A}</a:tableStyleId>
+              </a:tblPr>
+              <a:tblGrid>
+                <a:gridCol w="3600000">
+                  <a:extLst>
+                    <a:ext uri="{9D8B030D-6E8A-4147-A177-3AD203B41FA5}">
+                      <a16:colId xmlns:a16="http://schemas.microsoft.com/office/drawing/2014/main" val="2249819784"/>
+                    </a:ext>
+                  </a:extLst>
+                </a:gridCol>
+                <a:gridCol w="3600000">
+                  <a:extLst>
+                    <a:ext uri="{9D8B030D-6E8A-4147-A177-3AD203B41FA5}">
+                      <a16:colId xmlns:a16="http://schemas.microsoft.com/office/drawing/2014/main" val="2459517837"/>
+                    </a:ext>
+                  </a:extLst>
+                </a:gridCol>
+                <a:gridCol w="3600000">
+                  <a:extLst>
+                    <a:ext uri="{9D8B030D-6E8A-4147-A177-3AD203B41FA5}">
+                      <a16:colId xmlns:a16="http://schemas.microsoft.com/office/drawing/2014/main" val="3501980905"/>
+                    </a:ext>
+                  </a:extLst>
+                </a:gridCol>
+              </a:tblGrid>
+              <a:tr h="372745">
+                <a:tc>
+                  <a:txBody>
+                    <a:bodyPr/>
+                    <a:lstStyle/>
+                    <a:p>
+                      <a:pPr algn="ctr"/>
+                      <a:r>
+                        <a:rPr lang="en-US" dirty="0" smtClean="0"/>
+                        <a:t>Original</a:t>
+                      </a:r>
+                      <a:endParaRPr lang="en-US" dirty="0"/>
+                    </a:p>
+                  </a:txBody>
+                  <a:tcPr anchor="ctr"/>
+                </a:tc>
+                <a:tc>
+                  <a:txBody>
+                    <a:bodyPr/>
+                    <a:lstStyle/>
+                    <a:p>
+                      <a:pPr algn="ctr"/>
+                      <a:r>
+                        <a:rPr lang="en-US" dirty="0" smtClean="0"/>
+                        <a:t>Machine</a:t>
+                      </a:r>
+                      <a:endParaRPr lang="en-US" dirty="0"/>
+                    </a:p>
+                  </a:txBody>
+                  <a:tcPr anchor="ctr">
+                    <a:solidFill>
+                      <a:schemeClr val="accent2"/>
+                    </a:solidFill>
+                  </a:tcPr>
+                </a:tc>
+                <a:tc>
+                  <a:txBody>
+                    <a:bodyPr/>
+                    <a:lstStyle/>
+                    <a:p>
+                      <a:pPr algn="ctr"/>
+                      <a:r>
+                        <a:rPr lang="en-US" dirty="0" smtClean="0"/>
+                        <a:t>3-folds</a:t>
+                      </a:r>
+                      <a:endParaRPr lang="en-US" dirty="0"/>
+                    </a:p>
+                  </a:txBody>
+                  <a:tcPr anchor="ctr">
+                    <a:solidFill>
+                      <a:schemeClr val="bg1">
+                        <a:lumMod val="50000"/>
+                      </a:schemeClr>
+                    </a:solidFill>
+                  </a:tcPr>
+                </a:tc>
+                <a:extLst>
+                  <a:ext uri="{0D108BD9-81ED-4DB2-BD59-A6C34878D82A}">
+                    <a16:rowId xmlns:a16="http://schemas.microsoft.com/office/drawing/2014/main" val="2428224279"/>
+                  </a:ext>
+                </a:extLst>
+              </a:tr>
+            </a:tbl>
+          </a:graphicData>
+        </a:graphic>
+      </p:graphicFrame>
+      <p:sp>
+        <p:nvSpPr>
+          <p:cNvPr id="6" name="矩形 5"/>
+          <p:cNvSpPr/>
+          <p:nvPr/>
+        </p:nvSpPr>
+        <p:spPr>
+          <a:xfrm>
+            <a:off x="5088467" y="774000"/>
+            <a:ext cx="2379133" cy="343600"/>
+          </a:xfrm>
+          <a:prstGeom prst="rect">
+            <a:avLst/>
+          </a:prstGeom>
+          <a:solidFill>
+            <a:schemeClr val="bg1"/>
+          </a:solidFill>
+          <a:ln>
+            <a:solidFill>
+              <a:schemeClr val="bg1"/>
+            </a:solidFill>
+          </a:ln>
+        </p:spPr>
+        <p:style>
+          <a:lnRef idx="2">
+            <a:schemeClr val="accent1">
+              <a:shade val="50000"/>
+            </a:schemeClr>
+          </a:lnRef>
+          <a:fillRef idx="1">
+            <a:schemeClr val="accent1"/>
+          </a:fillRef>
+          <a:effectRef idx="0">
+            <a:schemeClr val="accent1"/>
+          </a:effectRef>
+          <a:fontRef idx="minor">
+            <a:schemeClr val="lt1"/>
+          </a:fontRef>
+        </p:style>
+        <p:txBody>
+          <a:bodyPr rtlCol="0" anchor="ctr"/>
+          <a:lstStyle/>
+          <a:p>
+            <a:pPr algn="ctr"/>
+            <a:endParaRPr lang="en-US"/>
+          </a:p>
+        </p:txBody>
+      </p:sp>
+    </p:spTree>
+    <p:extLst>
+      <p:ext uri="{BB962C8B-B14F-4D97-AF65-F5344CB8AC3E}">
+        <p14:creationId xmlns:p14="http://schemas.microsoft.com/office/powerpoint/2010/main" val="559827784"/>
+      </p:ext>
+    </p:extLst>
+  </p:cSld>
+  <p:clrMapOvr>
+    <a:masterClrMapping/>
+  </p:clrMapOvr>
+  <p:timing>
+    <p:tnLst>
+      <p:par>
+        <p:cTn id="1" dur="indefinite" restart="never" nodeType="tmRoot"/>
+      </p:par>
+    </p:tnLst>
+  </p:timing>
+</p:sld>
+</file>
+
+<file path=ppt/slides/slide19.xml><?xml version="1.0" encoding="utf-8"?>
+<p:sld xmlns:a="http://schemas.openxmlformats.org/drawingml/2006/main" xmlns:r="http://schemas.openxmlformats.org/officeDocument/2006/relationships" xmlns:p="http://schemas.openxmlformats.org/presentationml/2006/main">
+  <p:cSld>
+    <p:spTree>
+      <p:nvGrpSpPr>
+        <p:cNvPr id="1" name=""/>
+        <p:cNvGrpSpPr/>
+        <p:nvPr/>
+      </p:nvGrpSpPr>
+      <p:grpSpPr>
+        <a:xfrm>
+          <a:off x="0" y="0"/>
+          <a:ext cx="0" cy="0"/>
+          <a:chOff x="0" y="0"/>
+          <a:chExt cx="0" cy="0"/>
+        </a:xfrm>
+      </p:grpSpPr>
+      <p:sp>
+        <p:nvSpPr>
+          <p:cNvPr id="2" name="標題 1"/>
+          <p:cNvSpPr>
+            <a:spLocks noGrp="1"/>
+          </p:cNvSpPr>
+          <p:nvPr>
+            <p:ph type="title"/>
+          </p:nvPr>
+        </p:nvSpPr>
+        <p:spPr/>
+        <p:txBody>
+          <a:bodyPr/>
+          <a:lstStyle/>
+          <a:p>
+            <a:endParaRPr lang="en-US"/>
+          </a:p>
+        </p:txBody>
+      </p:sp>
+      <p:sp>
+        <p:nvSpPr>
+          <p:cNvPr id="3" name="內容版面配置區 2"/>
+          <p:cNvSpPr>
+            <a:spLocks noGrp="1"/>
+          </p:cNvSpPr>
+          <p:nvPr>
+            <p:ph idx="1"/>
+          </p:nvPr>
+        </p:nvSpPr>
+        <p:spPr/>
+        <p:txBody>
+          <a:bodyPr/>
+          <a:lstStyle/>
+          <a:p>
+            <a:endParaRPr lang="en-US"/>
+          </a:p>
+        </p:txBody>
+      </p:sp>
+      <p:pic>
+        <p:nvPicPr>
+          <p:cNvPr id="4" name="圖片 3"/>
+          <p:cNvPicPr>
+            <a:picLocks noChangeAspect="1"/>
+          </p:cNvPicPr>
+          <p:nvPr/>
+        </p:nvPicPr>
+        <p:blipFill>
+          <a:blip r:embed="rId2"/>
+          <a:stretch>
+            <a:fillRect/>
+          </a:stretch>
+        </p:blipFill>
+        <p:spPr>
+          <a:xfrm>
+            <a:off x="684000" y="774000"/>
+            <a:ext cx="10800000" cy="5550334"/>
+          </a:xfrm>
+          <a:prstGeom prst="rect">
+            <a:avLst/>
+          </a:prstGeom>
+        </p:spPr>
+      </p:pic>
+      <p:graphicFrame>
+        <p:nvGraphicFramePr>
+          <p:cNvPr id="5" name="內容版面配置區 4"/>
+          <p:cNvGraphicFramePr>
+            <a:graphicFrameLocks/>
+          </p:cNvGraphicFramePr>
+          <p:nvPr>
+            <p:extLst>
+              <p:ext uri="{D42A27DB-BD31-4B8C-83A1-F6EECF244321}">
+                <p14:modId xmlns:p14="http://schemas.microsoft.com/office/powerpoint/2010/main" val="2091898687"/>
+              </p:ext>
+            </p:extLst>
+          </p:nvPr>
+        </p:nvGraphicFramePr>
+        <p:xfrm>
+          <a:off x="678524" y="274320"/>
+          <a:ext cx="10800000" cy="372745"/>
+        </p:xfrm>
+        <a:graphic>
+          <a:graphicData uri="http://schemas.openxmlformats.org/drawingml/2006/table">
+            <a:tbl>
+              <a:tblPr firstRow="1" bandRow="1">
+                <a:tableStyleId>{5C22544A-7EE6-4342-B048-85BDC9FD1C3A}</a:tableStyleId>
+              </a:tblPr>
+              <a:tblGrid>
+                <a:gridCol w="3600000">
+                  <a:extLst>
+                    <a:ext uri="{9D8B030D-6E8A-4147-A177-3AD203B41FA5}">
+                      <a16:colId xmlns:a16="http://schemas.microsoft.com/office/drawing/2014/main" val="2249819784"/>
+                    </a:ext>
+                  </a:extLst>
+                </a:gridCol>
+                <a:gridCol w="3600000">
+                  <a:extLst>
+                    <a:ext uri="{9D8B030D-6E8A-4147-A177-3AD203B41FA5}">
+                      <a16:colId xmlns:a16="http://schemas.microsoft.com/office/drawing/2014/main" val="2459517837"/>
+                    </a:ext>
+                  </a:extLst>
+                </a:gridCol>
+                <a:gridCol w="3600000">
+                  <a:extLst>
+                    <a:ext uri="{9D8B030D-6E8A-4147-A177-3AD203B41FA5}">
+                      <a16:colId xmlns:a16="http://schemas.microsoft.com/office/drawing/2014/main" val="3501980905"/>
+                    </a:ext>
+                  </a:extLst>
+                </a:gridCol>
+              </a:tblGrid>
+              <a:tr h="372745">
+                <a:tc>
+                  <a:txBody>
+                    <a:bodyPr/>
+                    <a:lstStyle/>
+                    <a:p>
+                      <a:pPr algn="ctr"/>
+                      <a:r>
+                        <a:rPr lang="en-US" dirty="0" smtClean="0"/>
+                        <a:t>Original</a:t>
+                      </a:r>
+                      <a:endParaRPr lang="en-US" dirty="0"/>
+                    </a:p>
+                  </a:txBody>
+                  <a:tcPr anchor="ctr"/>
+                </a:tc>
+                <a:tc>
+                  <a:txBody>
+                    <a:bodyPr/>
+                    <a:lstStyle/>
+                    <a:p>
+                      <a:pPr algn="ctr"/>
+                      <a:r>
+                        <a:rPr lang="en-US" dirty="0" smtClean="0"/>
+                        <a:t>Chamber</a:t>
+                      </a:r>
+                      <a:endParaRPr lang="en-US" dirty="0"/>
+                    </a:p>
+                  </a:txBody>
+                  <a:tcPr anchor="ctr">
+                    <a:solidFill>
+                      <a:schemeClr val="accent6"/>
+                    </a:solidFill>
+                  </a:tcPr>
+                </a:tc>
+                <a:tc>
+                  <a:txBody>
+                    <a:bodyPr/>
+                    <a:lstStyle/>
+                    <a:p>
+                      <a:pPr algn="ctr"/>
+                      <a:r>
+                        <a:rPr lang="en-US" dirty="0" smtClean="0"/>
+                        <a:t>2-folds</a:t>
+                      </a:r>
+                      <a:endParaRPr lang="en-US" dirty="0"/>
+                    </a:p>
+                  </a:txBody>
+                  <a:tcPr anchor="ctr">
+                    <a:solidFill>
+                      <a:schemeClr val="bg1">
+                        <a:lumMod val="75000"/>
+                      </a:schemeClr>
+                    </a:solidFill>
+                  </a:tcPr>
+                </a:tc>
+                <a:extLst>
+                  <a:ext uri="{0D108BD9-81ED-4DB2-BD59-A6C34878D82A}">
+                    <a16:rowId xmlns:a16="http://schemas.microsoft.com/office/drawing/2014/main" val="2428224279"/>
+                  </a:ext>
+                </a:extLst>
+              </a:tr>
+            </a:tbl>
+          </a:graphicData>
+        </a:graphic>
+      </p:graphicFrame>
+      <p:sp>
+        <p:nvSpPr>
+          <p:cNvPr id="6" name="矩形 5"/>
+          <p:cNvSpPr/>
+          <p:nvPr/>
+        </p:nvSpPr>
+        <p:spPr>
+          <a:xfrm>
+            <a:off x="5025408" y="774000"/>
+            <a:ext cx="2379133" cy="343600"/>
+          </a:xfrm>
+          <a:prstGeom prst="rect">
+            <a:avLst/>
+          </a:prstGeom>
+          <a:solidFill>
+            <a:schemeClr val="bg1"/>
+          </a:solidFill>
+          <a:ln>
+            <a:solidFill>
+              <a:schemeClr val="bg1"/>
+            </a:solidFill>
+          </a:ln>
+        </p:spPr>
+        <p:style>
+          <a:lnRef idx="2">
+            <a:schemeClr val="accent1">
+              <a:shade val="50000"/>
+            </a:schemeClr>
+          </a:lnRef>
+          <a:fillRef idx="1">
+            <a:schemeClr val="accent1"/>
+          </a:fillRef>
+          <a:effectRef idx="0">
+            <a:schemeClr val="accent1"/>
+          </a:effectRef>
+          <a:fontRef idx="minor">
+            <a:schemeClr val="lt1"/>
+          </a:fontRef>
+        </p:style>
+        <p:txBody>
+          <a:bodyPr rtlCol="0" anchor="ctr"/>
+          <a:lstStyle/>
+          <a:p>
+            <a:pPr algn="ctr"/>
+            <a:endParaRPr lang="en-US"/>
+          </a:p>
+        </p:txBody>
+      </p:sp>
+    </p:spTree>
+    <p:extLst>
+      <p:ext uri="{BB962C8B-B14F-4D97-AF65-F5344CB8AC3E}">
+        <p14:creationId xmlns:p14="http://schemas.microsoft.com/office/powerpoint/2010/main" val="3509558685"/>
+      </p:ext>
+    </p:extLst>
+  </p:cSld>
+  <p:clrMapOvr>
+    <a:masterClrMapping/>
+  </p:clrMapOvr>
+  <p:timing>
+    <p:tnLst>
+      <p:par>
+        <p:cTn id="1" dur="indefinite" restart="never" nodeType="tmRoot"/>
+      </p:par>
+    </p:tnLst>
+  </p:timing>
+</p:sld>
+</file>
+
 <file path=ppt/slides/slide2.xml><?xml version="1.0" encoding="utf-8"?>
 <p:sld xmlns:a="http://schemas.openxmlformats.org/drawingml/2006/main" xmlns:r="http://schemas.openxmlformats.org/officeDocument/2006/relationships" xmlns:p="http://schemas.openxmlformats.org/presentationml/2006/main">
   <p:cSld>
@@ -5808,6 +6912,1275 @@
     <p:extLst>
       <p:ext uri="{BB962C8B-B14F-4D97-AF65-F5344CB8AC3E}">
         <p14:creationId xmlns:p14="http://schemas.microsoft.com/office/powerpoint/2010/main" val="3517954277"/>
+      </p:ext>
+    </p:extLst>
+  </p:cSld>
+  <p:clrMapOvr>
+    <a:masterClrMapping/>
+  </p:clrMapOvr>
+</p:sld>
+</file>
+
+<file path=ppt/slides/slide20.xml><?xml version="1.0" encoding="utf-8"?>
+<p:sld xmlns:a="http://schemas.openxmlformats.org/drawingml/2006/main" xmlns:r="http://schemas.openxmlformats.org/officeDocument/2006/relationships" xmlns:p="http://schemas.openxmlformats.org/presentationml/2006/main">
+  <p:cSld>
+    <p:spTree>
+      <p:nvGrpSpPr>
+        <p:cNvPr id="1" name=""/>
+        <p:cNvGrpSpPr/>
+        <p:nvPr/>
+      </p:nvGrpSpPr>
+      <p:grpSpPr>
+        <a:xfrm>
+          <a:off x="0" y="0"/>
+          <a:ext cx="0" cy="0"/>
+          <a:chOff x="0" y="0"/>
+          <a:chExt cx="0" cy="0"/>
+        </a:xfrm>
+      </p:grpSpPr>
+      <p:sp>
+        <p:nvSpPr>
+          <p:cNvPr id="3" name="內容版面配置區 2"/>
+          <p:cNvSpPr>
+            <a:spLocks noGrp="1"/>
+          </p:cNvSpPr>
+          <p:nvPr>
+            <p:ph idx="1"/>
+          </p:nvPr>
+        </p:nvSpPr>
+        <p:spPr/>
+        <p:txBody>
+          <a:bodyPr/>
+          <a:lstStyle/>
+          <a:p>
+            <a:endParaRPr lang="en-US"/>
+          </a:p>
+        </p:txBody>
+      </p:sp>
+      <p:pic>
+        <p:nvPicPr>
+          <p:cNvPr id="5" name="圖片 4"/>
+          <p:cNvPicPr>
+            <a:picLocks noChangeAspect="1"/>
+          </p:cNvPicPr>
+          <p:nvPr/>
+        </p:nvPicPr>
+        <p:blipFill>
+          <a:blip r:embed="rId2"/>
+          <a:stretch>
+            <a:fillRect/>
+          </a:stretch>
+        </p:blipFill>
+        <p:spPr>
+          <a:xfrm>
+            <a:off x="684000" y="774000"/>
+            <a:ext cx="10800000" cy="5754465"/>
+          </a:xfrm>
+          <a:prstGeom prst="rect">
+            <a:avLst/>
+          </a:prstGeom>
+        </p:spPr>
+      </p:pic>
+      <p:graphicFrame>
+        <p:nvGraphicFramePr>
+          <p:cNvPr id="6" name="內容版面配置區 4"/>
+          <p:cNvGraphicFramePr>
+            <a:graphicFrameLocks/>
+          </p:cNvGraphicFramePr>
+          <p:nvPr>
+            <p:extLst>
+              <p:ext uri="{D42A27DB-BD31-4B8C-83A1-F6EECF244321}">
+                <p14:modId xmlns:p14="http://schemas.microsoft.com/office/powerpoint/2010/main" val="3761674989"/>
+              </p:ext>
+            </p:extLst>
+          </p:nvPr>
+        </p:nvGraphicFramePr>
+        <p:xfrm>
+          <a:off x="678524" y="274320"/>
+          <a:ext cx="10800000" cy="372745"/>
+        </p:xfrm>
+        <a:graphic>
+          <a:graphicData uri="http://schemas.openxmlformats.org/drawingml/2006/table">
+            <a:tbl>
+              <a:tblPr firstRow="1" bandRow="1">
+                <a:tableStyleId>{5C22544A-7EE6-4342-B048-85BDC9FD1C3A}</a:tableStyleId>
+              </a:tblPr>
+              <a:tblGrid>
+                <a:gridCol w="3600000">
+                  <a:extLst>
+                    <a:ext uri="{9D8B030D-6E8A-4147-A177-3AD203B41FA5}">
+                      <a16:colId xmlns:a16="http://schemas.microsoft.com/office/drawing/2014/main" val="2249819784"/>
+                    </a:ext>
+                  </a:extLst>
+                </a:gridCol>
+                <a:gridCol w="3600000">
+                  <a:extLst>
+                    <a:ext uri="{9D8B030D-6E8A-4147-A177-3AD203B41FA5}">
+                      <a16:colId xmlns:a16="http://schemas.microsoft.com/office/drawing/2014/main" val="2459517837"/>
+                    </a:ext>
+                  </a:extLst>
+                </a:gridCol>
+                <a:gridCol w="3600000">
+                  <a:extLst>
+                    <a:ext uri="{9D8B030D-6E8A-4147-A177-3AD203B41FA5}">
+                      <a16:colId xmlns:a16="http://schemas.microsoft.com/office/drawing/2014/main" val="3501980905"/>
+                    </a:ext>
+                  </a:extLst>
+                </a:gridCol>
+              </a:tblGrid>
+              <a:tr h="372745">
+                <a:tc>
+                  <a:txBody>
+                    <a:bodyPr/>
+                    <a:lstStyle/>
+                    <a:p>
+                      <a:pPr algn="ctr"/>
+                      <a:r>
+                        <a:rPr lang="en-US" dirty="0" smtClean="0"/>
+                        <a:t>Original</a:t>
+                      </a:r>
+                      <a:endParaRPr lang="en-US" dirty="0"/>
+                    </a:p>
+                  </a:txBody>
+                  <a:tcPr anchor="ctr"/>
+                </a:tc>
+                <a:tc>
+                  <a:txBody>
+                    <a:bodyPr/>
+                    <a:lstStyle/>
+                    <a:p>
+                      <a:pPr algn="ctr"/>
+                      <a:r>
+                        <a:rPr lang="en-US" dirty="0" smtClean="0"/>
+                        <a:t>Chamber</a:t>
+                      </a:r>
+                      <a:endParaRPr lang="en-US" dirty="0"/>
+                    </a:p>
+                  </a:txBody>
+                  <a:tcPr anchor="ctr">
+                    <a:solidFill>
+                      <a:schemeClr val="accent6"/>
+                    </a:solidFill>
+                  </a:tcPr>
+                </a:tc>
+                <a:tc>
+                  <a:txBody>
+                    <a:bodyPr/>
+                    <a:lstStyle/>
+                    <a:p>
+                      <a:pPr algn="ctr"/>
+                      <a:r>
+                        <a:rPr lang="en-US" dirty="0" smtClean="0"/>
+                        <a:t>3-folds</a:t>
+                      </a:r>
+                      <a:endParaRPr lang="en-US" dirty="0"/>
+                    </a:p>
+                  </a:txBody>
+                  <a:tcPr anchor="ctr">
+                    <a:solidFill>
+                      <a:schemeClr val="bg1">
+                        <a:lumMod val="50000"/>
+                      </a:schemeClr>
+                    </a:solidFill>
+                  </a:tcPr>
+                </a:tc>
+                <a:extLst>
+                  <a:ext uri="{0D108BD9-81ED-4DB2-BD59-A6C34878D82A}">
+                    <a16:rowId xmlns:a16="http://schemas.microsoft.com/office/drawing/2014/main" val="2428224279"/>
+                  </a:ext>
+                </a:extLst>
+              </a:tr>
+            </a:tbl>
+          </a:graphicData>
+        </a:graphic>
+      </p:graphicFrame>
+      <p:sp>
+        <p:nvSpPr>
+          <p:cNvPr id="7" name="矩形 6"/>
+          <p:cNvSpPr/>
+          <p:nvPr/>
+        </p:nvSpPr>
+        <p:spPr>
+          <a:xfrm>
+            <a:off x="5088467" y="774000"/>
+            <a:ext cx="2379133" cy="343600"/>
+          </a:xfrm>
+          <a:prstGeom prst="rect">
+            <a:avLst/>
+          </a:prstGeom>
+          <a:solidFill>
+            <a:schemeClr val="bg1"/>
+          </a:solidFill>
+          <a:ln>
+            <a:solidFill>
+              <a:schemeClr val="bg1"/>
+            </a:solidFill>
+          </a:ln>
+        </p:spPr>
+        <p:style>
+          <a:lnRef idx="2">
+            <a:schemeClr val="accent1">
+              <a:shade val="50000"/>
+            </a:schemeClr>
+          </a:lnRef>
+          <a:fillRef idx="1">
+            <a:schemeClr val="accent1"/>
+          </a:fillRef>
+          <a:effectRef idx="0">
+            <a:schemeClr val="accent1"/>
+          </a:effectRef>
+          <a:fontRef idx="minor">
+            <a:schemeClr val="lt1"/>
+          </a:fontRef>
+        </p:style>
+        <p:txBody>
+          <a:bodyPr rtlCol="0" anchor="ctr"/>
+          <a:lstStyle/>
+          <a:p>
+            <a:pPr algn="ctr"/>
+            <a:endParaRPr lang="en-US"/>
+          </a:p>
+        </p:txBody>
+      </p:sp>
+    </p:spTree>
+    <p:extLst>
+      <p:ext uri="{BB962C8B-B14F-4D97-AF65-F5344CB8AC3E}">
+        <p14:creationId xmlns:p14="http://schemas.microsoft.com/office/powerpoint/2010/main" val="1688718866"/>
+      </p:ext>
+    </p:extLst>
+  </p:cSld>
+  <p:clrMapOvr>
+    <a:masterClrMapping/>
+  </p:clrMapOvr>
+  <p:timing>
+    <p:tnLst>
+      <p:par>
+        <p:cTn id="1" dur="indefinite" restart="never" nodeType="tmRoot"/>
+      </p:par>
+    </p:tnLst>
+  </p:timing>
+</p:sld>
+</file>
+
+<file path=ppt/slides/slide21.xml><?xml version="1.0" encoding="utf-8"?>
+<p:sld xmlns:a="http://schemas.openxmlformats.org/drawingml/2006/main" xmlns:r="http://schemas.openxmlformats.org/officeDocument/2006/relationships" xmlns:p="http://schemas.openxmlformats.org/presentationml/2006/main">
+  <p:cSld>
+    <p:spTree>
+      <p:nvGrpSpPr>
+        <p:cNvPr id="1" name=""/>
+        <p:cNvGrpSpPr/>
+        <p:nvPr/>
+      </p:nvGrpSpPr>
+      <p:grpSpPr>
+        <a:xfrm>
+          <a:off x="0" y="0"/>
+          <a:ext cx="0" cy="0"/>
+          <a:chOff x="0" y="0"/>
+          <a:chExt cx="0" cy="0"/>
+        </a:xfrm>
+      </p:grpSpPr>
+      <p:sp>
+        <p:nvSpPr>
+          <p:cNvPr id="2" name="標題 1"/>
+          <p:cNvSpPr>
+            <a:spLocks noGrp="1"/>
+          </p:cNvSpPr>
+          <p:nvPr>
+            <p:ph type="title"/>
+          </p:nvPr>
+        </p:nvSpPr>
+        <p:spPr/>
+        <p:txBody>
+          <a:bodyPr/>
+          <a:lstStyle/>
+          <a:p>
+            <a:endParaRPr lang="en-US"/>
+          </a:p>
+        </p:txBody>
+      </p:sp>
+      <p:sp>
+        <p:nvSpPr>
+          <p:cNvPr id="3" name="內容版面配置區 2"/>
+          <p:cNvSpPr>
+            <a:spLocks noGrp="1"/>
+          </p:cNvSpPr>
+          <p:nvPr>
+            <p:ph idx="1"/>
+          </p:nvPr>
+        </p:nvSpPr>
+        <p:spPr/>
+        <p:txBody>
+          <a:bodyPr/>
+          <a:lstStyle/>
+          <a:p>
+            <a:endParaRPr lang="en-US"/>
+          </a:p>
+        </p:txBody>
+      </p:sp>
+      <p:pic>
+        <p:nvPicPr>
+          <p:cNvPr id="5" name="圖片 4"/>
+          <p:cNvPicPr>
+            <a:picLocks noChangeAspect="1"/>
+          </p:cNvPicPr>
+          <p:nvPr/>
+        </p:nvPicPr>
+        <p:blipFill>
+          <a:blip r:embed="rId3"/>
+          <a:stretch>
+            <a:fillRect/>
+          </a:stretch>
+        </p:blipFill>
+        <p:spPr>
+          <a:xfrm>
+            <a:off x="684000" y="774000"/>
+            <a:ext cx="10800000" cy="4918781"/>
+          </a:xfrm>
+          <a:prstGeom prst="rect">
+            <a:avLst/>
+          </a:prstGeom>
+        </p:spPr>
+      </p:pic>
+      <p:sp>
+        <p:nvSpPr>
+          <p:cNvPr id="6" name="矩形 5"/>
+          <p:cNvSpPr/>
+          <p:nvPr/>
+        </p:nvSpPr>
+        <p:spPr>
+          <a:xfrm>
+            <a:off x="5088467" y="774000"/>
+            <a:ext cx="2379133" cy="343600"/>
+          </a:xfrm>
+          <a:prstGeom prst="rect">
+            <a:avLst/>
+          </a:prstGeom>
+          <a:solidFill>
+            <a:schemeClr val="bg1"/>
+          </a:solidFill>
+          <a:ln>
+            <a:solidFill>
+              <a:schemeClr val="bg1"/>
+            </a:solidFill>
+          </a:ln>
+        </p:spPr>
+        <p:style>
+          <a:lnRef idx="2">
+            <a:schemeClr val="accent1">
+              <a:shade val="50000"/>
+            </a:schemeClr>
+          </a:lnRef>
+          <a:fillRef idx="1">
+            <a:schemeClr val="accent1"/>
+          </a:fillRef>
+          <a:effectRef idx="0">
+            <a:schemeClr val="accent1"/>
+          </a:effectRef>
+          <a:fontRef idx="minor">
+            <a:schemeClr val="lt1"/>
+          </a:fontRef>
+        </p:style>
+        <p:txBody>
+          <a:bodyPr rtlCol="0" anchor="ctr"/>
+          <a:lstStyle/>
+          <a:p>
+            <a:pPr algn="ctr"/>
+            <a:endParaRPr lang="en-US"/>
+          </a:p>
+        </p:txBody>
+      </p:sp>
+      <p:graphicFrame>
+        <p:nvGraphicFramePr>
+          <p:cNvPr id="7" name="內容版面配置區 4"/>
+          <p:cNvGraphicFramePr>
+            <a:graphicFrameLocks/>
+          </p:cNvGraphicFramePr>
+          <p:nvPr>
+            <p:extLst>
+              <p:ext uri="{D42A27DB-BD31-4B8C-83A1-F6EECF244321}">
+                <p14:modId xmlns:p14="http://schemas.microsoft.com/office/powerpoint/2010/main" val="1154803717"/>
+              </p:ext>
+            </p:extLst>
+          </p:nvPr>
+        </p:nvGraphicFramePr>
+        <p:xfrm>
+          <a:off x="678524" y="274320"/>
+          <a:ext cx="10800000" cy="372745"/>
+        </p:xfrm>
+        <a:graphic>
+          <a:graphicData uri="http://schemas.openxmlformats.org/drawingml/2006/table">
+            <a:tbl>
+              <a:tblPr firstRow="1" bandRow="1">
+                <a:tableStyleId>{5C22544A-7EE6-4342-B048-85BDC9FD1C3A}</a:tableStyleId>
+              </a:tblPr>
+              <a:tblGrid>
+                <a:gridCol w="3600000">
+                  <a:extLst>
+                    <a:ext uri="{9D8B030D-6E8A-4147-A177-3AD203B41FA5}">
+                      <a16:colId xmlns:a16="http://schemas.microsoft.com/office/drawing/2014/main" val="2249819784"/>
+                    </a:ext>
+                  </a:extLst>
+                </a:gridCol>
+                <a:gridCol w="3600000">
+                  <a:extLst>
+                    <a:ext uri="{9D8B030D-6E8A-4147-A177-3AD203B41FA5}">
+                      <a16:colId xmlns:a16="http://schemas.microsoft.com/office/drawing/2014/main" val="2459517837"/>
+                    </a:ext>
+                  </a:extLst>
+                </a:gridCol>
+                <a:gridCol w="3600000">
+                  <a:extLst>
+                    <a:ext uri="{9D8B030D-6E8A-4147-A177-3AD203B41FA5}">
+                      <a16:colId xmlns:a16="http://schemas.microsoft.com/office/drawing/2014/main" val="3501980905"/>
+                    </a:ext>
+                  </a:extLst>
+                </a:gridCol>
+              </a:tblGrid>
+              <a:tr h="372745">
+                <a:tc>
+                  <a:txBody>
+                    <a:bodyPr/>
+                    <a:lstStyle/>
+                    <a:p>
+                      <a:pPr algn="ctr"/>
+                      <a:r>
+                        <a:rPr lang="en-US" altLang="zh-TW" dirty="0" smtClean="0"/>
+                        <a:t>Backward</a:t>
+                      </a:r>
+                      <a:endParaRPr lang="en-US" dirty="0"/>
+                    </a:p>
+                  </a:txBody>
+                  <a:tcPr anchor="ctr">
+                    <a:solidFill>
+                      <a:srgbClr val="E74C3C"/>
+                    </a:solidFill>
+                  </a:tcPr>
+                </a:tc>
+                <a:tc>
+                  <a:txBody>
+                    <a:bodyPr/>
+                    <a:lstStyle/>
+                    <a:p>
+                      <a:pPr algn="ctr"/>
+                      <a:r>
+                        <a:rPr lang="en-US" dirty="0" smtClean="0"/>
+                        <a:t>Machine</a:t>
+                      </a:r>
+                      <a:endParaRPr lang="en-US" dirty="0"/>
+                    </a:p>
+                  </a:txBody>
+                  <a:tcPr anchor="ctr">
+                    <a:solidFill>
+                      <a:schemeClr val="accent2"/>
+                    </a:solidFill>
+                  </a:tcPr>
+                </a:tc>
+                <a:tc>
+                  <a:txBody>
+                    <a:bodyPr/>
+                    <a:lstStyle/>
+                    <a:p>
+                      <a:pPr algn="ctr"/>
+                      <a:r>
+                        <a:rPr lang="en-US" dirty="0" smtClean="0"/>
+                        <a:t>2-folds</a:t>
+                      </a:r>
+                      <a:endParaRPr lang="en-US" dirty="0"/>
+                    </a:p>
+                  </a:txBody>
+                  <a:tcPr anchor="ctr">
+                    <a:solidFill>
+                      <a:schemeClr val="bg1">
+                        <a:lumMod val="75000"/>
+                      </a:schemeClr>
+                    </a:solidFill>
+                  </a:tcPr>
+                </a:tc>
+                <a:extLst>
+                  <a:ext uri="{0D108BD9-81ED-4DB2-BD59-A6C34878D82A}">
+                    <a16:rowId xmlns:a16="http://schemas.microsoft.com/office/drawing/2014/main" val="2428224279"/>
+                  </a:ext>
+                </a:extLst>
+              </a:tr>
+            </a:tbl>
+          </a:graphicData>
+        </a:graphic>
+      </p:graphicFrame>
+    </p:spTree>
+    <p:extLst>
+      <p:ext uri="{BB962C8B-B14F-4D97-AF65-F5344CB8AC3E}">
+        <p14:creationId xmlns:p14="http://schemas.microsoft.com/office/powerpoint/2010/main" val="1654373458"/>
+      </p:ext>
+    </p:extLst>
+  </p:cSld>
+  <p:clrMapOvr>
+    <a:masterClrMapping/>
+  </p:clrMapOvr>
+</p:sld>
+</file>
+
+<file path=ppt/slides/slide22.xml><?xml version="1.0" encoding="utf-8"?>
+<p:sld xmlns:a="http://schemas.openxmlformats.org/drawingml/2006/main" xmlns:r="http://schemas.openxmlformats.org/officeDocument/2006/relationships" xmlns:p="http://schemas.openxmlformats.org/presentationml/2006/main">
+  <p:cSld>
+    <p:spTree>
+      <p:nvGrpSpPr>
+        <p:cNvPr id="1" name=""/>
+        <p:cNvGrpSpPr/>
+        <p:nvPr/>
+      </p:nvGrpSpPr>
+      <p:grpSpPr>
+        <a:xfrm>
+          <a:off x="0" y="0"/>
+          <a:ext cx="0" cy="0"/>
+          <a:chOff x="0" y="0"/>
+          <a:chExt cx="0" cy="0"/>
+        </a:xfrm>
+      </p:grpSpPr>
+      <p:sp>
+        <p:nvSpPr>
+          <p:cNvPr id="2" name="標題 1"/>
+          <p:cNvSpPr>
+            <a:spLocks noGrp="1"/>
+          </p:cNvSpPr>
+          <p:nvPr>
+            <p:ph type="title"/>
+          </p:nvPr>
+        </p:nvSpPr>
+        <p:spPr/>
+        <p:txBody>
+          <a:bodyPr/>
+          <a:lstStyle/>
+          <a:p>
+            <a:endParaRPr lang="en-US"/>
+          </a:p>
+        </p:txBody>
+      </p:sp>
+      <p:sp>
+        <p:nvSpPr>
+          <p:cNvPr id="3" name="內容版面配置區 2"/>
+          <p:cNvSpPr>
+            <a:spLocks noGrp="1"/>
+          </p:cNvSpPr>
+          <p:nvPr>
+            <p:ph idx="1"/>
+          </p:nvPr>
+        </p:nvSpPr>
+        <p:spPr/>
+        <p:txBody>
+          <a:bodyPr/>
+          <a:lstStyle/>
+          <a:p>
+            <a:endParaRPr lang="en-US"/>
+          </a:p>
+        </p:txBody>
+      </p:sp>
+      <p:pic>
+        <p:nvPicPr>
+          <p:cNvPr id="4" name="圖片 3"/>
+          <p:cNvPicPr>
+            <a:picLocks noChangeAspect="1"/>
+          </p:cNvPicPr>
+          <p:nvPr/>
+        </p:nvPicPr>
+        <p:blipFill>
+          <a:blip r:embed="rId2"/>
+          <a:stretch>
+            <a:fillRect/>
+          </a:stretch>
+        </p:blipFill>
+        <p:spPr>
+          <a:xfrm>
+            <a:off x="684000" y="774000"/>
+            <a:ext cx="10800000" cy="4963351"/>
+          </a:xfrm>
+          <a:prstGeom prst="rect">
+            <a:avLst/>
+          </a:prstGeom>
+        </p:spPr>
+      </p:pic>
+      <p:sp>
+        <p:nvSpPr>
+          <p:cNvPr id="5" name="矩形 4"/>
+          <p:cNvSpPr/>
+          <p:nvPr/>
+        </p:nvSpPr>
+        <p:spPr>
+          <a:xfrm>
+            <a:off x="5088467" y="774000"/>
+            <a:ext cx="2379133" cy="343600"/>
+          </a:xfrm>
+          <a:prstGeom prst="rect">
+            <a:avLst/>
+          </a:prstGeom>
+          <a:solidFill>
+            <a:schemeClr val="bg1"/>
+          </a:solidFill>
+          <a:ln>
+            <a:solidFill>
+              <a:schemeClr val="bg1"/>
+            </a:solidFill>
+          </a:ln>
+        </p:spPr>
+        <p:style>
+          <a:lnRef idx="2">
+            <a:schemeClr val="accent1">
+              <a:shade val="50000"/>
+            </a:schemeClr>
+          </a:lnRef>
+          <a:fillRef idx="1">
+            <a:schemeClr val="accent1"/>
+          </a:fillRef>
+          <a:effectRef idx="0">
+            <a:schemeClr val="accent1"/>
+          </a:effectRef>
+          <a:fontRef idx="minor">
+            <a:schemeClr val="lt1"/>
+          </a:fontRef>
+        </p:style>
+        <p:txBody>
+          <a:bodyPr rtlCol="0" anchor="ctr"/>
+          <a:lstStyle/>
+          <a:p>
+            <a:pPr algn="ctr"/>
+            <a:endParaRPr lang="en-US"/>
+          </a:p>
+        </p:txBody>
+      </p:sp>
+      <p:graphicFrame>
+        <p:nvGraphicFramePr>
+          <p:cNvPr id="7" name="內容版面配置區 4"/>
+          <p:cNvGraphicFramePr>
+            <a:graphicFrameLocks/>
+          </p:cNvGraphicFramePr>
+          <p:nvPr>
+            <p:extLst>
+              <p:ext uri="{D42A27DB-BD31-4B8C-83A1-F6EECF244321}">
+                <p14:modId xmlns:p14="http://schemas.microsoft.com/office/powerpoint/2010/main" val="3692621084"/>
+              </p:ext>
+            </p:extLst>
+          </p:nvPr>
+        </p:nvGraphicFramePr>
+        <p:xfrm>
+          <a:off x="678524" y="274320"/>
+          <a:ext cx="10800000" cy="372745"/>
+        </p:xfrm>
+        <a:graphic>
+          <a:graphicData uri="http://schemas.openxmlformats.org/drawingml/2006/table">
+            <a:tbl>
+              <a:tblPr firstRow="1" bandRow="1">
+                <a:tableStyleId>{5C22544A-7EE6-4342-B048-85BDC9FD1C3A}</a:tableStyleId>
+              </a:tblPr>
+              <a:tblGrid>
+                <a:gridCol w="3600000">
+                  <a:extLst>
+                    <a:ext uri="{9D8B030D-6E8A-4147-A177-3AD203B41FA5}">
+                      <a16:colId xmlns:a16="http://schemas.microsoft.com/office/drawing/2014/main" val="2249819784"/>
+                    </a:ext>
+                  </a:extLst>
+                </a:gridCol>
+                <a:gridCol w="3600000">
+                  <a:extLst>
+                    <a:ext uri="{9D8B030D-6E8A-4147-A177-3AD203B41FA5}">
+                      <a16:colId xmlns:a16="http://schemas.microsoft.com/office/drawing/2014/main" val="2459517837"/>
+                    </a:ext>
+                  </a:extLst>
+                </a:gridCol>
+                <a:gridCol w="3600000">
+                  <a:extLst>
+                    <a:ext uri="{9D8B030D-6E8A-4147-A177-3AD203B41FA5}">
+                      <a16:colId xmlns:a16="http://schemas.microsoft.com/office/drawing/2014/main" val="3501980905"/>
+                    </a:ext>
+                  </a:extLst>
+                </a:gridCol>
+              </a:tblGrid>
+              <a:tr h="372745">
+                <a:tc>
+                  <a:txBody>
+                    <a:bodyPr/>
+                    <a:lstStyle/>
+                    <a:p>
+                      <a:pPr algn="ctr"/>
+                      <a:r>
+                        <a:rPr lang="en-US" altLang="zh-TW" dirty="0" smtClean="0"/>
+                        <a:t>Backward</a:t>
+                      </a:r>
+                      <a:endParaRPr lang="en-US" dirty="0"/>
+                    </a:p>
+                  </a:txBody>
+                  <a:tcPr anchor="ctr">
+                    <a:solidFill>
+                      <a:srgbClr val="E74C3C"/>
+                    </a:solidFill>
+                  </a:tcPr>
+                </a:tc>
+                <a:tc>
+                  <a:txBody>
+                    <a:bodyPr/>
+                    <a:lstStyle/>
+                    <a:p>
+                      <a:pPr algn="ctr"/>
+                      <a:r>
+                        <a:rPr lang="en-US" dirty="0" smtClean="0"/>
+                        <a:t>Machine</a:t>
+                      </a:r>
+                      <a:endParaRPr lang="en-US" dirty="0"/>
+                    </a:p>
+                  </a:txBody>
+                  <a:tcPr anchor="ctr">
+                    <a:solidFill>
+                      <a:schemeClr val="accent2"/>
+                    </a:solidFill>
+                  </a:tcPr>
+                </a:tc>
+                <a:tc>
+                  <a:txBody>
+                    <a:bodyPr/>
+                    <a:lstStyle/>
+                    <a:p>
+                      <a:pPr algn="ctr"/>
+                      <a:r>
+                        <a:rPr lang="en-US" dirty="0" smtClean="0"/>
+                        <a:t>3-folds</a:t>
+                      </a:r>
+                      <a:endParaRPr lang="en-US" dirty="0"/>
+                    </a:p>
+                  </a:txBody>
+                  <a:tcPr anchor="ctr">
+                    <a:solidFill>
+                      <a:schemeClr val="bg1">
+                        <a:lumMod val="50000"/>
+                      </a:schemeClr>
+                    </a:solidFill>
+                  </a:tcPr>
+                </a:tc>
+                <a:extLst>
+                  <a:ext uri="{0D108BD9-81ED-4DB2-BD59-A6C34878D82A}">
+                    <a16:rowId xmlns:a16="http://schemas.microsoft.com/office/drawing/2014/main" val="2428224279"/>
+                  </a:ext>
+                </a:extLst>
+              </a:tr>
+            </a:tbl>
+          </a:graphicData>
+        </a:graphic>
+      </p:graphicFrame>
+    </p:spTree>
+    <p:extLst>
+      <p:ext uri="{BB962C8B-B14F-4D97-AF65-F5344CB8AC3E}">
+        <p14:creationId xmlns:p14="http://schemas.microsoft.com/office/powerpoint/2010/main" val="4088364033"/>
+      </p:ext>
+    </p:extLst>
+  </p:cSld>
+  <p:clrMapOvr>
+    <a:masterClrMapping/>
+  </p:clrMapOvr>
+</p:sld>
+</file>
+
+<file path=ppt/slides/slide23.xml><?xml version="1.0" encoding="utf-8"?>
+<p:sld xmlns:a="http://schemas.openxmlformats.org/drawingml/2006/main" xmlns:r="http://schemas.openxmlformats.org/officeDocument/2006/relationships" xmlns:p="http://schemas.openxmlformats.org/presentationml/2006/main">
+  <p:cSld>
+    <p:spTree>
+      <p:nvGrpSpPr>
+        <p:cNvPr id="1" name=""/>
+        <p:cNvGrpSpPr/>
+        <p:nvPr/>
+      </p:nvGrpSpPr>
+      <p:grpSpPr>
+        <a:xfrm>
+          <a:off x="0" y="0"/>
+          <a:ext cx="0" cy="0"/>
+          <a:chOff x="0" y="0"/>
+          <a:chExt cx="0" cy="0"/>
+        </a:xfrm>
+      </p:grpSpPr>
+      <p:sp>
+        <p:nvSpPr>
+          <p:cNvPr id="2" name="標題 1"/>
+          <p:cNvSpPr>
+            <a:spLocks noGrp="1"/>
+          </p:cNvSpPr>
+          <p:nvPr>
+            <p:ph type="title"/>
+          </p:nvPr>
+        </p:nvSpPr>
+        <p:spPr/>
+        <p:txBody>
+          <a:bodyPr/>
+          <a:lstStyle/>
+          <a:p>
+            <a:endParaRPr lang="en-US"/>
+          </a:p>
+        </p:txBody>
+      </p:sp>
+      <p:sp>
+        <p:nvSpPr>
+          <p:cNvPr id="3" name="內容版面配置區 2"/>
+          <p:cNvSpPr>
+            <a:spLocks noGrp="1"/>
+          </p:cNvSpPr>
+          <p:nvPr>
+            <p:ph idx="1"/>
+          </p:nvPr>
+        </p:nvSpPr>
+        <p:spPr/>
+        <p:txBody>
+          <a:bodyPr/>
+          <a:lstStyle/>
+          <a:p>
+            <a:endParaRPr lang="en-US"/>
+          </a:p>
+        </p:txBody>
+      </p:sp>
+      <p:pic>
+        <p:nvPicPr>
+          <p:cNvPr id="5" name="圖片 4"/>
+          <p:cNvPicPr>
+            <a:picLocks noChangeAspect="1"/>
+          </p:cNvPicPr>
+          <p:nvPr/>
+        </p:nvPicPr>
+        <p:blipFill>
+          <a:blip r:embed="rId2"/>
+          <a:stretch>
+            <a:fillRect/>
+          </a:stretch>
+        </p:blipFill>
+        <p:spPr>
+          <a:xfrm>
+            <a:off x="684000" y="774000"/>
+            <a:ext cx="10603000" cy="4847440"/>
+          </a:xfrm>
+          <a:prstGeom prst="rect">
+            <a:avLst/>
+          </a:prstGeom>
+        </p:spPr>
+      </p:pic>
+      <p:sp>
+        <p:nvSpPr>
+          <p:cNvPr id="6" name="矩形 5"/>
+          <p:cNvSpPr/>
+          <p:nvPr/>
+        </p:nvSpPr>
+        <p:spPr>
+          <a:xfrm>
+            <a:off x="5088467" y="774000"/>
+            <a:ext cx="2379133" cy="343600"/>
+          </a:xfrm>
+          <a:prstGeom prst="rect">
+            <a:avLst/>
+          </a:prstGeom>
+          <a:solidFill>
+            <a:schemeClr val="bg1"/>
+          </a:solidFill>
+          <a:ln>
+            <a:solidFill>
+              <a:schemeClr val="bg1"/>
+            </a:solidFill>
+          </a:ln>
+        </p:spPr>
+        <p:style>
+          <a:lnRef idx="2">
+            <a:schemeClr val="accent1">
+              <a:shade val="50000"/>
+            </a:schemeClr>
+          </a:lnRef>
+          <a:fillRef idx="1">
+            <a:schemeClr val="accent1"/>
+          </a:fillRef>
+          <a:effectRef idx="0">
+            <a:schemeClr val="accent1"/>
+          </a:effectRef>
+          <a:fontRef idx="minor">
+            <a:schemeClr val="lt1"/>
+          </a:fontRef>
+        </p:style>
+        <p:txBody>
+          <a:bodyPr rtlCol="0" anchor="ctr"/>
+          <a:lstStyle/>
+          <a:p>
+            <a:pPr algn="ctr"/>
+            <a:endParaRPr lang="en-US"/>
+          </a:p>
+        </p:txBody>
+      </p:sp>
+      <p:graphicFrame>
+        <p:nvGraphicFramePr>
+          <p:cNvPr id="7" name="內容版面配置區 4"/>
+          <p:cNvGraphicFramePr>
+            <a:graphicFrameLocks/>
+          </p:cNvGraphicFramePr>
+          <p:nvPr>
+            <p:extLst>
+              <p:ext uri="{D42A27DB-BD31-4B8C-83A1-F6EECF244321}">
+                <p14:modId xmlns:p14="http://schemas.microsoft.com/office/powerpoint/2010/main" val="3441730922"/>
+              </p:ext>
+            </p:extLst>
+          </p:nvPr>
+        </p:nvGraphicFramePr>
+        <p:xfrm>
+          <a:off x="678524" y="274320"/>
+          <a:ext cx="10800000" cy="372745"/>
+        </p:xfrm>
+        <a:graphic>
+          <a:graphicData uri="http://schemas.openxmlformats.org/drawingml/2006/table">
+            <a:tbl>
+              <a:tblPr firstRow="1" bandRow="1">
+                <a:tableStyleId>{5C22544A-7EE6-4342-B048-85BDC9FD1C3A}</a:tableStyleId>
+              </a:tblPr>
+              <a:tblGrid>
+                <a:gridCol w="3600000">
+                  <a:extLst>
+                    <a:ext uri="{9D8B030D-6E8A-4147-A177-3AD203B41FA5}">
+                      <a16:colId xmlns:a16="http://schemas.microsoft.com/office/drawing/2014/main" val="2249819784"/>
+                    </a:ext>
+                  </a:extLst>
+                </a:gridCol>
+                <a:gridCol w="3600000">
+                  <a:extLst>
+                    <a:ext uri="{9D8B030D-6E8A-4147-A177-3AD203B41FA5}">
+                      <a16:colId xmlns:a16="http://schemas.microsoft.com/office/drawing/2014/main" val="2459517837"/>
+                    </a:ext>
+                  </a:extLst>
+                </a:gridCol>
+                <a:gridCol w="3600000">
+                  <a:extLst>
+                    <a:ext uri="{9D8B030D-6E8A-4147-A177-3AD203B41FA5}">
+                      <a16:colId xmlns:a16="http://schemas.microsoft.com/office/drawing/2014/main" val="3501980905"/>
+                    </a:ext>
+                  </a:extLst>
+                </a:gridCol>
+              </a:tblGrid>
+              <a:tr h="372745">
+                <a:tc>
+                  <a:txBody>
+                    <a:bodyPr/>
+                    <a:lstStyle/>
+                    <a:p>
+                      <a:pPr algn="ctr"/>
+                      <a:r>
+                        <a:rPr lang="en-US" altLang="zh-TW" dirty="0" smtClean="0"/>
+                        <a:t>Backward</a:t>
+                      </a:r>
+                      <a:endParaRPr lang="en-US" dirty="0"/>
+                    </a:p>
+                  </a:txBody>
+                  <a:tcPr anchor="ctr">
+                    <a:solidFill>
+                      <a:srgbClr val="E74C3C"/>
+                    </a:solidFill>
+                  </a:tcPr>
+                </a:tc>
+                <a:tc>
+                  <a:txBody>
+                    <a:bodyPr/>
+                    <a:lstStyle/>
+                    <a:p>
+                      <a:pPr algn="ctr"/>
+                      <a:r>
+                        <a:rPr lang="en-US" dirty="0" smtClean="0"/>
+                        <a:t>Chamber</a:t>
+                      </a:r>
+                      <a:endParaRPr lang="en-US" dirty="0"/>
+                    </a:p>
+                  </a:txBody>
+                  <a:tcPr anchor="ctr">
+                    <a:solidFill>
+                      <a:schemeClr val="accent6"/>
+                    </a:solidFill>
+                  </a:tcPr>
+                </a:tc>
+                <a:tc>
+                  <a:txBody>
+                    <a:bodyPr/>
+                    <a:lstStyle/>
+                    <a:p>
+                      <a:pPr algn="ctr"/>
+                      <a:r>
+                        <a:rPr lang="en-US" dirty="0" smtClean="0"/>
+                        <a:t>2-folds</a:t>
+                      </a:r>
+                      <a:endParaRPr lang="en-US" dirty="0"/>
+                    </a:p>
+                  </a:txBody>
+                  <a:tcPr anchor="ctr">
+                    <a:solidFill>
+                      <a:schemeClr val="bg1">
+                        <a:lumMod val="75000"/>
+                      </a:schemeClr>
+                    </a:solidFill>
+                  </a:tcPr>
+                </a:tc>
+                <a:extLst>
+                  <a:ext uri="{0D108BD9-81ED-4DB2-BD59-A6C34878D82A}">
+                    <a16:rowId xmlns:a16="http://schemas.microsoft.com/office/drawing/2014/main" val="2428224279"/>
+                  </a:ext>
+                </a:extLst>
+              </a:tr>
+            </a:tbl>
+          </a:graphicData>
+        </a:graphic>
+      </p:graphicFrame>
+    </p:spTree>
+    <p:extLst>
+      <p:ext uri="{BB962C8B-B14F-4D97-AF65-F5344CB8AC3E}">
+        <p14:creationId xmlns:p14="http://schemas.microsoft.com/office/powerpoint/2010/main" val="1760173659"/>
+      </p:ext>
+    </p:extLst>
+  </p:cSld>
+  <p:clrMapOvr>
+    <a:masterClrMapping/>
+  </p:clrMapOvr>
+</p:sld>
+</file>
+
+<file path=ppt/slides/slide24.xml><?xml version="1.0" encoding="utf-8"?>
+<p:sld xmlns:a="http://schemas.openxmlformats.org/drawingml/2006/main" xmlns:r="http://schemas.openxmlformats.org/officeDocument/2006/relationships" xmlns:p="http://schemas.openxmlformats.org/presentationml/2006/main">
+  <p:cSld>
+    <p:spTree>
+      <p:nvGrpSpPr>
+        <p:cNvPr id="1" name=""/>
+        <p:cNvGrpSpPr/>
+        <p:nvPr/>
+      </p:nvGrpSpPr>
+      <p:grpSpPr>
+        <a:xfrm>
+          <a:off x="0" y="0"/>
+          <a:ext cx="0" cy="0"/>
+          <a:chOff x="0" y="0"/>
+          <a:chExt cx="0" cy="0"/>
+        </a:xfrm>
+      </p:grpSpPr>
+      <p:sp>
+        <p:nvSpPr>
+          <p:cNvPr id="2" name="標題 1"/>
+          <p:cNvSpPr>
+            <a:spLocks noGrp="1"/>
+          </p:cNvSpPr>
+          <p:nvPr>
+            <p:ph type="title"/>
+          </p:nvPr>
+        </p:nvSpPr>
+        <p:spPr/>
+        <p:txBody>
+          <a:bodyPr/>
+          <a:lstStyle/>
+          <a:p>
+            <a:endParaRPr lang="en-US"/>
+          </a:p>
+        </p:txBody>
+      </p:sp>
+      <p:sp>
+        <p:nvSpPr>
+          <p:cNvPr id="3" name="內容版面配置區 2"/>
+          <p:cNvSpPr>
+            <a:spLocks noGrp="1"/>
+          </p:cNvSpPr>
+          <p:nvPr>
+            <p:ph idx="1"/>
+          </p:nvPr>
+        </p:nvSpPr>
+        <p:spPr/>
+        <p:txBody>
+          <a:bodyPr/>
+          <a:lstStyle/>
+          <a:p>
+            <a:endParaRPr lang="en-US"/>
+          </a:p>
+        </p:txBody>
+      </p:sp>
+      <p:pic>
+        <p:nvPicPr>
+          <p:cNvPr id="4" name="圖片 3"/>
+          <p:cNvPicPr>
+            <a:picLocks noChangeAspect="1"/>
+          </p:cNvPicPr>
+          <p:nvPr/>
+        </p:nvPicPr>
+        <p:blipFill>
+          <a:blip r:embed="rId2"/>
+          <a:stretch>
+            <a:fillRect/>
+          </a:stretch>
+        </p:blipFill>
+        <p:spPr>
+          <a:xfrm>
+            <a:off x="683999" y="774000"/>
+            <a:ext cx="10800000" cy="4917327"/>
+          </a:xfrm>
+          <a:prstGeom prst="rect">
+            <a:avLst/>
+          </a:prstGeom>
+        </p:spPr>
+      </p:pic>
+      <p:sp>
+        <p:nvSpPr>
+          <p:cNvPr id="5" name="矩形 4"/>
+          <p:cNvSpPr/>
+          <p:nvPr/>
+        </p:nvSpPr>
+        <p:spPr>
+          <a:xfrm>
+            <a:off x="5088467" y="774000"/>
+            <a:ext cx="2379133" cy="343600"/>
+          </a:xfrm>
+          <a:prstGeom prst="rect">
+            <a:avLst/>
+          </a:prstGeom>
+          <a:solidFill>
+            <a:schemeClr val="bg1"/>
+          </a:solidFill>
+          <a:ln>
+            <a:solidFill>
+              <a:schemeClr val="bg1"/>
+            </a:solidFill>
+          </a:ln>
+        </p:spPr>
+        <p:style>
+          <a:lnRef idx="2">
+            <a:schemeClr val="accent1">
+              <a:shade val="50000"/>
+            </a:schemeClr>
+          </a:lnRef>
+          <a:fillRef idx="1">
+            <a:schemeClr val="accent1"/>
+          </a:fillRef>
+          <a:effectRef idx="0">
+            <a:schemeClr val="accent1"/>
+          </a:effectRef>
+          <a:fontRef idx="minor">
+            <a:schemeClr val="lt1"/>
+          </a:fontRef>
+        </p:style>
+        <p:txBody>
+          <a:bodyPr rtlCol="0" anchor="ctr"/>
+          <a:lstStyle/>
+          <a:p>
+            <a:pPr algn="ctr"/>
+            <a:endParaRPr lang="en-US"/>
+          </a:p>
+        </p:txBody>
+      </p:sp>
+      <p:graphicFrame>
+        <p:nvGraphicFramePr>
+          <p:cNvPr id="6" name="內容版面配置區 4"/>
+          <p:cNvGraphicFramePr>
+            <a:graphicFrameLocks/>
+          </p:cNvGraphicFramePr>
+          <p:nvPr>
+            <p:extLst>
+              <p:ext uri="{D42A27DB-BD31-4B8C-83A1-F6EECF244321}">
+                <p14:modId xmlns:p14="http://schemas.microsoft.com/office/powerpoint/2010/main" val="973756377"/>
+              </p:ext>
+            </p:extLst>
+          </p:nvPr>
+        </p:nvGraphicFramePr>
+        <p:xfrm>
+          <a:off x="678524" y="274320"/>
+          <a:ext cx="10800000" cy="372745"/>
+        </p:xfrm>
+        <a:graphic>
+          <a:graphicData uri="http://schemas.openxmlformats.org/drawingml/2006/table">
+            <a:tbl>
+              <a:tblPr firstRow="1" bandRow="1">
+                <a:tableStyleId>{5C22544A-7EE6-4342-B048-85BDC9FD1C3A}</a:tableStyleId>
+              </a:tblPr>
+              <a:tblGrid>
+                <a:gridCol w="3600000">
+                  <a:extLst>
+                    <a:ext uri="{9D8B030D-6E8A-4147-A177-3AD203B41FA5}">
+                      <a16:colId xmlns:a16="http://schemas.microsoft.com/office/drawing/2014/main" val="2249819784"/>
+                    </a:ext>
+                  </a:extLst>
+                </a:gridCol>
+                <a:gridCol w="3600000">
+                  <a:extLst>
+                    <a:ext uri="{9D8B030D-6E8A-4147-A177-3AD203B41FA5}">
+                      <a16:colId xmlns:a16="http://schemas.microsoft.com/office/drawing/2014/main" val="2459517837"/>
+                    </a:ext>
+                  </a:extLst>
+                </a:gridCol>
+                <a:gridCol w="3600000">
+                  <a:extLst>
+                    <a:ext uri="{9D8B030D-6E8A-4147-A177-3AD203B41FA5}">
+                      <a16:colId xmlns:a16="http://schemas.microsoft.com/office/drawing/2014/main" val="3501980905"/>
+                    </a:ext>
+                  </a:extLst>
+                </a:gridCol>
+              </a:tblGrid>
+              <a:tr h="372745">
+                <a:tc>
+                  <a:txBody>
+                    <a:bodyPr/>
+                    <a:lstStyle/>
+                    <a:p>
+                      <a:pPr algn="ctr"/>
+                      <a:r>
+                        <a:rPr lang="en-US" altLang="zh-TW" dirty="0" smtClean="0"/>
+                        <a:t>Backward</a:t>
+                      </a:r>
+                      <a:endParaRPr lang="en-US" dirty="0"/>
+                    </a:p>
+                  </a:txBody>
+                  <a:tcPr anchor="ctr">
+                    <a:solidFill>
+                      <a:srgbClr val="E74C3C"/>
+                    </a:solidFill>
+                  </a:tcPr>
+                </a:tc>
+                <a:tc>
+                  <a:txBody>
+                    <a:bodyPr/>
+                    <a:lstStyle/>
+                    <a:p>
+                      <a:pPr algn="ctr"/>
+                      <a:r>
+                        <a:rPr lang="en-US" dirty="0" smtClean="0"/>
+                        <a:t>Chamber</a:t>
+                      </a:r>
+                      <a:endParaRPr lang="en-US" dirty="0"/>
+                    </a:p>
+                  </a:txBody>
+                  <a:tcPr anchor="ctr">
+                    <a:solidFill>
+                      <a:schemeClr val="accent6"/>
+                    </a:solidFill>
+                  </a:tcPr>
+                </a:tc>
+                <a:tc>
+                  <a:txBody>
+                    <a:bodyPr/>
+                    <a:lstStyle/>
+                    <a:p>
+                      <a:pPr algn="ctr"/>
+                      <a:r>
+                        <a:rPr lang="en-US" dirty="0" smtClean="0"/>
+                        <a:t>3-folds</a:t>
+                      </a:r>
+                      <a:endParaRPr lang="en-US" dirty="0"/>
+                    </a:p>
+                  </a:txBody>
+                  <a:tcPr anchor="ctr">
+                    <a:solidFill>
+                      <a:schemeClr val="bg1">
+                        <a:lumMod val="50000"/>
+                      </a:schemeClr>
+                    </a:solidFill>
+                  </a:tcPr>
+                </a:tc>
+                <a:extLst>
+                  <a:ext uri="{0D108BD9-81ED-4DB2-BD59-A6C34878D82A}">
+                    <a16:rowId xmlns:a16="http://schemas.microsoft.com/office/drawing/2014/main" val="2428224279"/>
+                  </a:ext>
+                </a:extLst>
+              </a:tr>
+            </a:tbl>
+          </a:graphicData>
+        </a:graphic>
+      </p:graphicFrame>
+    </p:spTree>
+    <p:extLst>
+      <p:ext uri="{BB962C8B-B14F-4D97-AF65-F5344CB8AC3E}">
+        <p14:creationId xmlns:p14="http://schemas.microsoft.com/office/powerpoint/2010/main" val="852422387"/>
       </p:ext>
     </p:extLst>
   </p:cSld>

--- a/ppt/2022-10 meeting.pptx
+++ b/ppt/2022-10 meeting.pptx
@@ -3453,7 +3453,7 @@
           <a:p>
             <a:fld id="{3F908B55-4B1A-4E0A-A383-4812071FEBF5}" type="datetimeFigureOut">
               <a:rPr lang="zh-TW" altLang="en-US" smtClean="0"/>
-              <a:t>2022/10/19</a:t>
+              <a:t>2022/10/20</a:t>
             </a:fld>
             <a:endParaRPr lang="zh-TW" altLang="en-US"/>
           </a:p>
@@ -4831,7 +4831,7 @@
           <a:p>
             <a:fld id="{432CB213-D9FA-458B-89FB-3EF41A0384E7}" type="datetimeFigureOut">
               <a:rPr lang="en-US" smtClean="0"/>
-              <a:t>10/19/2022</a:t>
+              <a:t>10/20/2022</a:t>
             </a:fld>
             <a:endParaRPr lang="en-US"/>
           </a:p>
@@ -5031,7 +5031,7 @@
           <a:p>
             <a:fld id="{432CB213-D9FA-458B-89FB-3EF41A0384E7}" type="datetimeFigureOut">
               <a:rPr lang="en-US" smtClean="0"/>
-              <a:t>10/19/2022</a:t>
+              <a:t>10/20/2022</a:t>
             </a:fld>
             <a:endParaRPr lang="en-US"/>
           </a:p>
@@ -5241,7 +5241,7 @@
           <a:p>
             <a:fld id="{432CB213-D9FA-458B-89FB-3EF41A0384E7}" type="datetimeFigureOut">
               <a:rPr lang="en-US" smtClean="0"/>
-              <a:t>10/19/2022</a:t>
+              <a:t>10/20/2022</a:t>
             </a:fld>
             <a:endParaRPr lang="en-US"/>
           </a:p>
@@ -5441,7 +5441,7 @@
           <a:p>
             <a:fld id="{432CB213-D9FA-458B-89FB-3EF41A0384E7}" type="datetimeFigureOut">
               <a:rPr lang="en-US" smtClean="0"/>
-              <a:t>10/19/2022</a:t>
+              <a:t>10/20/2022</a:t>
             </a:fld>
             <a:endParaRPr lang="en-US"/>
           </a:p>
@@ -5717,7 +5717,7 @@
           <a:p>
             <a:fld id="{432CB213-D9FA-458B-89FB-3EF41A0384E7}" type="datetimeFigureOut">
               <a:rPr lang="en-US" smtClean="0"/>
-              <a:t>10/19/2022</a:t>
+              <a:t>10/20/2022</a:t>
             </a:fld>
             <a:endParaRPr lang="en-US"/>
           </a:p>
@@ -5985,7 +5985,7 @@
           <a:p>
             <a:fld id="{432CB213-D9FA-458B-89FB-3EF41A0384E7}" type="datetimeFigureOut">
               <a:rPr lang="en-US" smtClean="0"/>
-              <a:t>10/19/2022</a:t>
+              <a:t>10/20/2022</a:t>
             </a:fld>
             <a:endParaRPr lang="en-US"/>
           </a:p>
@@ -6400,7 +6400,7 @@
           <a:p>
             <a:fld id="{432CB213-D9FA-458B-89FB-3EF41A0384E7}" type="datetimeFigureOut">
               <a:rPr lang="en-US" smtClean="0"/>
-              <a:t>10/19/2022</a:t>
+              <a:t>10/20/2022</a:t>
             </a:fld>
             <a:endParaRPr lang="en-US"/>
           </a:p>
@@ -6542,7 +6542,7 @@
           <a:p>
             <a:fld id="{432CB213-D9FA-458B-89FB-3EF41A0384E7}" type="datetimeFigureOut">
               <a:rPr lang="en-US" smtClean="0"/>
-              <a:t>10/19/2022</a:t>
+              <a:t>10/20/2022</a:t>
             </a:fld>
             <a:endParaRPr lang="en-US"/>
           </a:p>
@@ -6655,7 +6655,7 @@
           <a:p>
             <a:fld id="{432CB213-D9FA-458B-89FB-3EF41A0384E7}" type="datetimeFigureOut">
               <a:rPr lang="en-US" smtClean="0"/>
-              <a:t>10/19/2022</a:t>
+              <a:t>10/20/2022</a:t>
             </a:fld>
             <a:endParaRPr lang="en-US"/>
           </a:p>
@@ -6968,7 +6968,7 @@
           <a:p>
             <a:fld id="{432CB213-D9FA-458B-89FB-3EF41A0384E7}" type="datetimeFigureOut">
               <a:rPr lang="en-US" smtClean="0"/>
-              <a:t>10/19/2022</a:t>
+              <a:t>10/20/2022</a:t>
             </a:fld>
             <a:endParaRPr lang="en-US"/>
           </a:p>
@@ -7257,7 +7257,7 @@
           <a:p>
             <a:fld id="{432CB213-D9FA-458B-89FB-3EF41A0384E7}" type="datetimeFigureOut">
               <a:rPr lang="en-US" smtClean="0"/>
-              <a:t>10/19/2022</a:t>
+              <a:t>10/20/2022</a:t>
             </a:fld>
             <a:endParaRPr lang="en-US"/>
           </a:p>
@@ -7500,7 +7500,7 @@
           <a:p>
             <a:fld id="{432CB213-D9FA-458B-89FB-3EF41A0384E7}" type="datetimeFigureOut">
               <a:rPr lang="en-US" smtClean="0"/>
-              <a:t>10/19/2022</a:t>
+              <a:t>10/20/2022</a:t>
             </a:fld>
             <a:endParaRPr lang="en-US"/>
           </a:p>
@@ -17051,7 +17051,11 @@
           <a:bodyPr/>
           <a:lstStyle/>
           <a:p>
-            <a:endParaRPr lang="zh-TW" altLang="en-US"/>
+            <a:r>
+              <a:rPr lang="en-US" altLang="zh-TW" dirty="0"/>
+              <a:t>To do</a:t>
+            </a:r>
+            <a:endParaRPr lang="zh-TW" altLang="en-US" dirty="0"/>
           </a:p>
         </p:txBody>
       </p:sp>
@@ -17071,34 +17075,75 @@
             <p:ph idx="1"/>
           </p:nvPr>
         </p:nvSpPr>
-        <p:spPr/>
+        <p:spPr>
+          <a:xfrm>
+            <a:off x="838200" y="1825624"/>
+            <a:ext cx="10515600" cy="5174943"/>
+          </a:xfrm>
+        </p:spPr>
         <p:txBody>
-          <a:bodyPr/>
+          <a:bodyPr>
+            <a:normAutofit/>
+          </a:bodyPr>
           <a:lstStyle/>
           <a:p>
             <a:r>
               <a:rPr lang="en-US" altLang="zh-TW" dirty="0"/>
-              <a:t>AUO data</a:t>
+              <a:t>Conference</a:t>
             </a:r>
           </a:p>
           <a:p>
             <a:pPr lvl="1"/>
             <a:r>
               <a:rPr lang="en-US" altLang="zh-TW" dirty="0"/>
-              <a:t>Month merged dataset</a:t>
+              <a:t>PPT</a:t>
             </a:r>
+          </a:p>
+          <a:p>
+            <a:pPr lvl="1"/>
+            <a:endParaRPr lang="en-US" altLang="zh-TW" dirty="0"/>
           </a:p>
           <a:p>
             <a:r>
               <a:rPr lang="en-US" altLang="zh-TW" dirty="0"/>
-              <a:t>UCI </a:t>
+              <a:t>Dataset</a:t>
             </a:r>
           </a:p>
           <a:p>
             <a:pPr lvl="1"/>
             <a:r>
               <a:rPr lang="en-US" altLang="zh-TW" dirty="0"/>
-              <a:t>Highly imbalance</a:t>
+              <a:t>AUO</a:t>
+            </a:r>
+          </a:p>
+          <a:p>
+            <a:pPr lvl="1"/>
+            <a:r>
+              <a:rPr lang="en-US" altLang="zh-TW" dirty="0"/>
+              <a:t>UCI highly imbalance</a:t>
+            </a:r>
+          </a:p>
+          <a:p>
+            <a:endParaRPr lang="en-US" altLang="zh-TW" dirty="0"/>
+          </a:p>
+          <a:p>
+            <a:r>
+              <a:rPr lang="en-US" altLang="zh-TW" dirty="0"/>
+              <a:t>Code</a:t>
+            </a:r>
+          </a:p>
+          <a:p>
+            <a:pPr lvl="1"/>
+            <a:r>
+              <a:rPr lang="en-US" altLang="zh-TW" dirty="0"/>
+              <a:t>Clean code</a:t>
+            </a:r>
+          </a:p>
+          <a:p>
+            <a:pPr lvl="1"/>
+            <a:r>
+              <a:rPr lang="en-US" altLang="zh-TW" dirty="0"/>
+              <a:t>Feature importance</a:t>
             </a:r>
           </a:p>
           <a:p>
